--- a/presentation/presentation_8.c-8.d_luyuliu.pptx
+++ b/presentation/presentation_8.c-8.d_luyuliu.pptx
@@ -399,7 +399,7 @@
           </a:lstStyle>
           <a:p>
             <a:fld id="{9A5B6E0F-1DB3-5A43-B8F9-5E1E696749DF}" type="datetimeFigureOut">
-              <a:t>10/31/2019</a:t>
+              <a:t>11/5/2019</a:t>
             </a:fld>
             <a:endParaRPr lang="en-US"/>
           </a:p>
@@ -562,7 +562,7 @@
           </a:lstStyle>
           <a:p>
             <a:fld id="{C61BC211-ACBD-CB48-B939-364088D2CD6D}" type="datetimeFigureOut">
-              <a:t>10/31/2019</a:t>
+              <a:t>11/5/2019</a:t>
             </a:fld>
             <a:endParaRPr lang="en-US"/>
           </a:p>
@@ -873,7 +873,21 @@
           <a:lstStyle/>
           <a:p>
             <a:r>
-              <a:rPr lang="en-US" sz="1200" b="0" i="0" kern="1200" dirty="0">
+              <a:rPr lang="en-US" dirty="0" smtClean="0"/>
+              <a:t>It’s a random</a:t>
+            </a:r>
+            <a:r>
+              <a:rPr lang="en-US" baseline="0" dirty="0" smtClean="0"/>
+              <a:t> process</a:t>
+            </a:r>
+          </a:p>
+          <a:p>
+            <a:r>
+              <a:rPr lang="en-US" baseline="0" dirty="0" smtClean="0"/>
+              <a:t>Agent is your problem, </a:t>
+            </a:r>
+            <a:r>
+              <a:rPr lang="en-US" sz="1200" b="0" i="1" kern="1200" dirty="0" smtClean="0">
                 <a:solidFill>
                   <a:schemeClr val="tx1"/>
                 </a:solidFill>
@@ -882,10 +896,10 @@
                 <a:ea typeface="+mn-ea"/>
                 <a:cs typeface="+mn-cs"/>
               </a:rPr>
-              <a:t>RL works faster, since not non-deterministic</a:t>
-            </a:r>
-            <a:r>
-              <a:rPr lang="en-US" sz="1200" b="0" i="0" kern="1200" baseline="0" dirty="0">
+              <a:t>makes the decision</a:t>
+            </a:r>
+            <a:r>
+              <a:rPr lang="en-US" sz="1200" b="0" i="0" kern="1200" dirty="0" smtClean="0">
                 <a:solidFill>
                   <a:schemeClr val="tx1"/>
                 </a:solidFill>
@@ -894,12 +908,12 @@
                 <a:ea typeface="+mn-ea"/>
                 <a:cs typeface="+mn-cs"/>
               </a:rPr>
-              <a:t> for GA;</a:t>
-            </a:r>
-          </a:p>
-          <a:p>
-            <a:r>
-              <a:rPr lang="en-US" sz="1200" b="0" i="0" kern="1200" dirty="0">
+              <a:t> of what action to take.</a:t>
+            </a:r>
+          </a:p>
+          <a:p>
+            <a:r>
+              <a:rPr lang="en-US" sz="1200" b="0" i="0" kern="1200" dirty="0" smtClean="0">
                 <a:solidFill>
                   <a:schemeClr val="tx1"/>
                 </a:solidFill>
@@ -908,12 +922,10 @@
                 <a:ea typeface="+mn-ea"/>
                 <a:cs typeface="+mn-cs"/>
               </a:rPr>
-              <a:t>RL benefits from features such as temporal credit assignment, which can speed up the convergence. It does so by maintaining a ‘trace’ of highly rewarding states.</a:t>
-            </a:r>
-          </a:p>
-          <a:p>
-            <a:r>
-              <a:rPr lang="en-US" sz="1200" b="0" i="0" kern="1200" dirty="0">
+              <a:t>Action: could be go</a:t>
+            </a:r>
+            <a:r>
+              <a:rPr lang="en-US" sz="1200" b="0" i="0" kern="1200" baseline="0" dirty="0" smtClean="0">
                 <a:solidFill>
                   <a:schemeClr val="tx1"/>
                 </a:solidFill>
@@ -922,11 +934,47 @@
                 <a:ea typeface="+mn-ea"/>
                 <a:cs typeface="+mn-cs"/>
               </a:rPr>
-              <a:t>GA is by definition, an inter-life algorithm, which means that the approach requires individuals to ‘die’ in order to progress. RL is intended to be an intra-life learning algorithm, with many recently (an not so recently) developed methods targeting the issue of continual learning and safe RL.</a:t>
-            </a:r>
-          </a:p>
-          <a:p>
-            <a:endParaRPr lang="en-US" dirty="0"/>
+              <a:t> right or go left in a game, could be different set of motions.</a:t>
+            </a:r>
+          </a:p>
+          <a:p>
+            <a:r>
+              <a:rPr lang="en-US" sz="1200" b="0" i="0" kern="1200" baseline="0" dirty="0" smtClean="0">
+                <a:solidFill>
+                  <a:schemeClr val="tx1"/>
+                </a:solidFill>
+                <a:effectLst/>
+                <a:latin typeface="+mn-lt"/>
+                <a:ea typeface="+mn-ea"/>
+                <a:cs typeface="+mn-cs"/>
+              </a:rPr>
+              <a:t>Environment: basically a game engine, an auditor that decide your fate. It returns two things: your final state, and your reward.</a:t>
+            </a:r>
+          </a:p>
+          <a:p>
+            <a:endParaRPr lang="en-US" sz="1200" b="0" i="0" kern="1200" baseline="0" dirty="0" smtClean="0">
+              <a:solidFill>
+                <a:schemeClr val="tx1"/>
+              </a:solidFill>
+              <a:effectLst/>
+              <a:latin typeface="+mn-lt"/>
+              <a:ea typeface="+mn-ea"/>
+              <a:cs typeface="+mn-cs"/>
+            </a:endParaRPr>
+          </a:p>
+          <a:p>
+            <a:r>
+              <a:rPr lang="en-US" sz="1200" b="0" i="0" kern="1200" baseline="0" dirty="0" smtClean="0">
+                <a:solidFill>
+                  <a:schemeClr val="tx1"/>
+                </a:solidFill>
+                <a:effectLst/>
+                <a:latin typeface="+mn-lt"/>
+                <a:ea typeface="+mn-ea"/>
+                <a:cs typeface="+mn-cs"/>
+              </a:rPr>
+              <a:t>Let’s say an example we all had: university application process or job application process. You are the agent, the university is the environment, you submit a CV with a bunch of exaggerating experience and skills to them and wait for the final results. If you succeed, your brain will say: okay it’s working, so if you want to do this again, you will keep the exaggerating part. Again, if you get an interview chance, but you cannot even answer a basic question, you will fail then you will say: okay it’s not working I shouldn’t lie in my CV. Congratulation you now know reinforcement learning and you can put this in your CV.</a:t>
+            </a:r>
           </a:p>
         </p:txBody>
       </p:sp>
@@ -947,7 +995,7 @@
           <a:p>
             <a:fld id="{D904D311-73F7-5D42-B843-E8305C73070F}" type="slidenum">
               <a:rPr lang="en-US" smtClean="0"/>
-              <a:t>12</a:t>
+              <a:t>11</a:t>
             </a:fld>
             <a:endParaRPr lang="en-US"/>
           </a:p>
@@ -956,7 +1004,7 @@
     </p:spTree>
     <p:extLst>
       <p:ext uri="{BB962C8B-B14F-4D97-AF65-F5344CB8AC3E}">
-        <p14:creationId xmlns:p14="http://schemas.microsoft.com/office/powerpoint/2010/main" val="2242718508"/>
+        <p14:creationId xmlns:p14="http://schemas.microsoft.com/office/powerpoint/2010/main" val="2877295895"/>
       </p:ext>
     </p:extLst>
   </p:cSld>
@@ -1010,6 +1058,23 @@
           <a:bodyPr/>
           <a:lstStyle/>
           <a:p>
+            <a:r>
+              <a:rPr lang="en-US" dirty="0"/>
+              <a:t>The grid structure of this model introduces tremendous potential for parallel executions because each LSTM cell can start as soon as its input and previous states are available</a:t>
+            </a:r>
+          </a:p>
+          <a:p>
+            <a:endParaRPr lang="en-US" dirty="0"/>
+          </a:p>
+          <a:p>
+            <a:r>
+              <a:rPr lang="en-US" dirty="0"/>
+              <a:t>its large number of hidden states due to the source and target sentences necessitates </a:t>
+            </a:r>
+            <a:r>
+              <a:rPr lang="en-US" dirty="0" err="1"/>
+              <a:t>modeparallelism</a:t>
+            </a:r>
             <a:endParaRPr lang="en-US" dirty="0"/>
           </a:p>
         </p:txBody>
@@ -1031,7 +1096,7 @@
           <a:p>
             <a:fld id="{D904D311-73F7-5D42-B843-E8305C73070F}" type="slidenum">
               <a:rPr lang="en-US" smtClean="0"/>
-              <a:t>48</a:t>
+              <a:t>30</a:t>
             </a:fld>
             <a:endParaRPr lang="en-US"/>
           </a:p>
@@ -1040,7 +1105,7 @@
     </p:spTree>
     <p:extLst>
       <p:ext uri="{BB962C8B-B14F-4D97-AF65-F5344CB8AC3E}">
-        <p14:creationId xmlns:p14="http://schemas.microsoft.com/office/powerpoint/2010/main" val="1711825162"/>
+        <p14:creationId xmlns:p14="http://schemas.microsoft.com/office/powerpoint/2010/main" val="456832567"/>
       </p:ext>
     </p:extLst>
   </p:cSld>
@@ -1095,324 +1160,18 @@
           <a:lstStyle/>
           <a:p>
             <a:r>
-              <a:rPr lang="en-US" sz="1200" b="0" i="0" kern="1200" dirty="0" smtClean="0">
-                <a:solidFill>
-                  <a:schemeClr val="tx1"/>
-                </a:solidFill>
-                <a:effectLst/>
-                <a:latin typeface="+mn-lt"/>
-                <a:ea typeface="+mn-ea"/>
-                <a:cs typeface="+mn-cs"/>
-              </a:rPr>
-              <a:t>A </a:t>
-            </a:r>
-            <a:r>
-              <a:rPr lang="en-US" sz="1200" b="1" i="0" kern="1200" dirty="0" smtClean="0">
-                <a:solidFill>
-                  <a:schemeClr val="tx1"/>
-                </a:solidFill>
-                <a:effectLst/>
-                <a:latin typeface="+mn-lt"/>
-                <a:ea typeface="+mn-ea"/>
-                <a:cs typeface="+mn-cs"/>
-              </a:rPr>
-              <a:t>page</a:t>
-            </a:r>
-            <a:r>
-              <a:rPr lang="en-US" sz="1200" b="0" i="0" kern="1200" dirty="0" smtClean="0">
-                <a:solidFill>
-                  <a:schemeClr val="tx1"/>
-                </a:solidFill>
-                <a:effectLst/>
-                <a:latin typeface="+mn-lt"/>
-                <a:ea typeface="+mn-ea"/>
-                <a:cs typeface="+mn-cs"/>
-              </a:rPr>
-              <a:t>, </a:t>
-            </a:r>
-            <a:r>
-              <a:rPr lang="en-US" sz="1200" b="1" i="0" kern="1200" dirty="0" smtClean="0">
-                <a:solidFill>
-                  <a:schemeClr val="tx1"/>
-                </a:solidFill>
-                <a:effectLst/>
-                <a:latin typeface="+mn-lt"/>
-                <a:ea typeface="+mn-ea"/>
-                <a:cs typeface="+mn-cs"/>
-              </a:rPr>
-              <a:t>memory page</a:t>
-            </a:r>
-            <a:r>
-              <a:rPr lang="en-US" sz="1200" b="0" i="0" kern="1200" dirty="0" smtClean="0">
-                <a:solidFill>
-                  <a:schemeClr val="tx1"/>
-                </a:solidFill>
-                <a:effectLst/>
-                <a:latin typeface="+mn-lt"/>
-                <a:ea typeface="+mn-ea"/>
-                <a:cs typeface="+mn-cs"/>
-              </a:rPr>
-              <a:t>, or </a:t>
-            </a:r>
-            <a:r>
-              <a:rPr lang="en-US" sz="1200" b="1" i="0" kern="1200" dirty="0" smtClean="0">
-                <a:solidFill>
-                  <a:schemeClr val="tx1"/>
-                </a:solidFill>
-                <a:effectLst/>
-                <a:latin typeface="+mn-lt"/>
-                <a:ea typeface="+mn-ea"/>
-                <a:cs typeface="+mn-cs"/>
-              </a:rPr>
-              <a:t>virtual page</a:t>
-            </a:r>
-            <a:r>
-              <a:rPr lang="en-US" sz="1200" b="0" i="0" kern="1200" dirty="0" smtClean="0">
-                <a:solidFill>
-                  <a:schemeClr val="tx1"/>
-                </a:solidFill>
-                <a:effectLst/>
-                <a:latin typeface="+mn-lt"/>
-                <a:ea typeface="+mn-ea"/>
-                <a:cs typeface="+mn-cs"/>
-              </a:rPr>
-              <a:t> is a fixed-length contiguous block of </a:t>
-            </a:r>
-            <a:r>
-              <a:rPr lang="en-US" sz="1200" b="0" i="0" u="none" strike="noStrike" kern="1200" dirty="0" smtClean="0">
-                <a:solidFill>
-                  <a:schemeClr val="tx1"/>
-                </a:solidFill>
-                <a:effectLst/>
-                <a:latin typeface="+mn-lt"/>
-                <a:ea typeface="+mn-ea"/>
-                <a:cs typeface="+mn-cs"/>
-                <a:hlinkClick r:id="rId3" tooltip="Virtual memory"/>
-              </a:rPr>
-              <a:t>virtual memory</a:t>
-            </a:r>
-            <a:r>
-              <a:rPr lang="en-US" sz="1200" b="0" i="0" kern="1200" dirty="0" smtClean="0">
-                <a:solidFill>
-                  <a:schemeClr val="tx1"/>
-                </a:solidFill>
-                <a:effectLst/>
-                <a:latin typeface="+mn-lt"/>
-                <a:ea typeface="+mn-ea"/>
-                <a:cs typeface="+mn-cs"/>
-              </a:rPr>
-              <a:t>, described by a single entry in the </a:t>
-            </a:r>
-            <a:r>
-              <a:rPr lang="en-US" sz="1200" b="0" i="0" u="none" strike="noStrike" kern="1200" dirty="0" smtClean="0">
-                <a:solidFill>
-                  <a:schemeClr val="tx1"/>
-                </a:solidFill>
-                <a:effectLst/>
-                <a:latin typeface="+mn-lt"/>
-                <a:ea typeface="+mn-ea"/>
-                <a:cs typeface="+mn-cs"/>
-                <a:hlinkClick r:id="rId4" tooltip="Page table"/>
-              </a:rPr>
-              <a:t>page table</a:t>
-            </a:r>
-            <a:r>
-              <a:rPr lang="en-US" sz="1200" b="0" i="0" kern="1200" dirty="0" smtClean="0">
-                <a:solidFill>
-                  <a:schemeClr val="tx1"/>
-                </a:solidFill>
-                <a:effectLst/>
-                <a:latin typeface="+mn-lt"/>
-                <a:ea typeface="+mn-ea"/>
-                <a:cs typeface="+mn-cs"/>
-              </a:rPr>
-              <a:t>. It is the smallest unit of data for memory management in a virtual memory </a:t>
-            </a:r>
-            <a:r>
-              <a:rPr lang="en-US" sz="1200" b="0" i="0" u="none" strike="noStrike" kern="1200" dirty="0" smtClean="0">
-                <a:solidFill>
-                  <a:schemeClr val="tx1"/>
-                </a:solidFill>
-                <a:effectLst/>
-                <a:latin typeface="+mn-lt"/>
-                <a:ea typeface="+mn-ea"/>
-                <a:cs typeface="+mn-cs"/>
-                <a:hlinkClick r:id="rId5" tooltip="Operating system"/>
-              </a:rPr>
-              <a:t>operating system</a:t>
-            </a:r>
-            <a:r>
-              <a:rPr lang="en-US" sz="1200" b="0" i="0" kern="1200" dirty="0" smtClean="0">
-                <a:solidFill>
-                  <a:schemeClr val="tx1"/>
-                </a:solidFill>
-                <a:effectLst/>
-                <a:latin typeface="+mn-lt"/>
-                <a:ea typeface="+mn-ea"/>
-                <a:cs typeface="+mn-cs"/>
-              </a:rPr>
-              <a:t>. Similarly, a </a:t>
-            </a:r>
-            <a:r>
-              <a:rPr lang="en-US" sz="1200" b="1" i="0" kern="1200" dirty="0" smtClean="0">
-                <a:solidFill>
-                  <a:schemeClr val="tx1"/>
-                </a:solidFill>
-                <a:effectLst/>
-                <a:latin typeface="+mn-lt"/>
-                <a:ea typeface="+mn-ea"/>
-                <a:cs typeface="+mn-cs"/>
-              </a:rPr>
-              <a:t>page frame</a:t>
-            </a:r>
-            <a:r>
-              <a:rPr lang="en-US" sz="1200" b="0" i="0" kern="1200" dirty="0" smtClean="0">
-                <a:solidFill>
-                  <a:schemeClr val="tx1"/>
-                </a:solidFill>
-                <a:effectLst/>
-                <a:latin typeface="+mn-lt"/>
-                <a:ea typeface="+mn-ea"/>
-                <a:cs typeface="+mn-cs"/>
-              </a:rPr>
-              <a:t> is the smallest fixed-length contiguous block of </a:t>
-            </a:r>
-            <a:r>
-              <a:rPr lang="en-US" sz="1200" b="0" i="0" u="none" strike="noStrike" kern="1200" dirty="0" smtClean="0">
-                <a:solidFill>
-                  <a:schemeClr val="tx1"/>
-                </a:solidFill>
-                <a:effectLst/>
-                <a:latin typeface="+mn-lt"/>
-                <a:ea typeface="+mn-ea"/>
-                <a:cs typeface="+mn-cs"/>
-                <a:hlinkClick r:id="rId6" tooltip="Physical memory"/>
-              </a:rPr>
-              <a:t>physical memory</a:t>
-            </a:r>
-            <a:r>
-              <a:rPr lang="en-US" sz="1200" b="0" i="0" kern="1200" dirty="0" smtClean="0">
-                <a:solidFill>
-                  <a:schemeClr val="tx1"/>
-                </a:solidFill>
-                <a:effectLst/>
-                <a:latin typeface="+mn-lt"/>
-                <a:ea typeface="+mn-ea"/>
-                <a:cs typeface="+mn-cs"/>
-              </a:rPr>
-              <a:t> into which memory pages are mapped by the operating system.</a:t>
-            </a:r>
-            <a:r>
-              <a:rPr lang="en-US" sz="1200" b="0" i="0" u="none" strike="noStrike" kern="1200" baseline="30000" dirty="0" smtClean="0">
-                <a:solidFill>
-                  <a:schemeClr val="tx1"/>
-                </a:solidFill>
-                <a:effectLst/>
-                <a:latin typeface="+mn-lt"/>
-                <a:ea typeface="+mn-ea"/>
-                <a:cs typeface="+mn-cs"/>
-                <a:hlinkClick r:id="rId7"/>
-              </a:rPr>
-              <a:t>[1]</a:t>
-            </a:r>
-            <a:r>
-              <a:rPr lang="en-US" sz="1200" b="0" i="0" u="none" strike="noStrike" kern="1200" baseline="30000" dirty="0" smtClean="0">
-                <a:solidFill>
-                  <a:schemeClr val="tx1"/>
-                </a:solidFill>
-                <a:effectLst/>
-                <a:latin typeface="+mn-lt"/>
-                <a:ea typeface="+mn-ea"/>
-                <a:cs typeface="+mn-cs"/>
-                <a:hlinkClick r:id="rId8"/>
-              </a:rPr>
-              <a:t>[2]</a:t>
-            </a:r>
-            <a:r>
-              <a:rPr lang="en-US" sz="1200" b="0" i="0" u="none" strike="noStrike" kern="1200" baseline="30000" dirty="0" smtClean="0">
-                <a:solidFill>
-                  <a:schemeClr val="tx1"/>
-                </a:solidFill>
-                <a:effectLst/>
-                <a:latin typeface="+mn-lt"/>
-                <a:ea typeface="+mn-ea"/>
-                <a:cs typeface="+mn-cs"/>
-                <a:hlinkClick r:id="rId9"/>
-              </a:rPr>
-              <a:t>[3]</a:t>
-            </a:r>
-            <a:endParaRPr lang="en-US" sz="1200" b="0" i="0" kern="1200" dirty="0" smtClean="0">
-              <a:solidFill>
-                <a:schemeClr val="tx1"/>
-              </a:solidFill>
-              <a:effectLst/>
-              <a:latin typeface="+mn-lt"/>
-              <a:ea typeface="+mn-ea"/>
-              <a:cs typeface="+mn-cs"/>
-            </a:endParaRPr>
-          </a:p>
-          <a:p>
-            <a:r>
-              <a:rPr lang="en-US" sz="1200" b="0" i="0" kern="1200" dirty="0" smtClean="0">
-                <a:solidFill>
-                  <a:schemeClr val="tx1"/>
-                </a:solidFill>
-                <a:effectLst/>
-                <a:latin typeface="+mn-lt"/>
-                <a:ea typeface="+mn-ea"/>
-                <a:cs typeface="+mn-cs"/>
-              </a:rPr>
-              <a:t>A transfer of pages between main memory and an auxiliary store, such as a hard disk drive, is referred to as </a:t>
-            </a:r>
-            <a:r>
-              <a:rPr lang="en-US" sz="1200" b="0" i="0" u="none" strike="noStrike" kern="1200" dirty="0" smtClean="0">
-                <a:solidFill>
-                  <a:schemeClr val="tx1"/>
-                </a:solidFill>
-                <a:effectLst/>
-                <a:latin typeface="+mn-lt"/>
-                <a:ea typeface="+mn-ea"/>
-                <a:cs typeface="+mn-cs"/>
-                <a:hlinkClick r:id="rId10" tooltip="Paging"/>
-              </a:rPr>
-              <a:t>paging</a:t>
-            </a:r>
-            <a:r>
-              <a:rPr lang="en-US" sz="1200" b="0" i="0" kern="1200" dirty="0" smtClean="0">
-                <a:solidFill>
-                  <a:schemeClr val="tx1"/>
-                </a:solidFill>
-                <a:effectLst/>
-                <a:latin typeface="+mn-lt"/>
-                <a:ea typeface="+mn-ea"/>
-                <a:cs typeface="+mn-cs"/>
-              </a:rPr>
-              <a:t> or swapping.</a:t>
-            </a:r>
-            <a:r>
-              <a:rPr lang="en-US" sz="1200" b="0" i="0" u="none" strike="noStrike" kern="1200" baseline="30000" dirty="0" smtClean="0">
-                <a:solidFill>
-                  <a:schemeClr val="tx1"/>
-                </a:solidFill>
-                <a:effectLst/>
-                <a:latin typeface="+mn-lt"/>
-                <a:ea typeface="+mn-ea"/>
-                <a:cs typeface="+mn-cs"/>
-                <a:hlinkClick r:id="rId11"/>
-              </a:rPr>
-              <a:t>[4]</a:t>
-            </a:r>
-            <a:endParaRPr lang="en-US" sz="1200" b="0" i="0" kern="1200" dirty="0" smtClean="0">
-              <a:solidFill>
-                <a:schemeClr val="tx1"/>
-              </a:solidFill>
-              <a:effectLst/>
-              <a:latin typeface="+mn-lt"/>
-              <a:ea typeface="+mn-ea"/>
-              <a:cs typeface="+mn-cs"/>
-            </a:endParaRPr>
-          </a:p>
-          <a:p>
+              <a:rPr lang="en-US" dirty="0" smtClean="0"/>
+              <a:t>We estimate the computational costs of each operation as well as the amount of data that flows along each edge of the neural network model, and feed them to the Scotch static mapper (Pellegrini, 2009). We also annotate the architecture graph (see Section 2) with compute and communication capacities of the underlying devices.</a:t>
+            </a:r>
+          </a:p>
+          <a:p>
+            <a:endParaRPr lang="en-US" dirty="0" smtClean="0"/>
+          </a:p>
+          <a:p>
+            <a:r>
+              <a:rPr lang="en-US" dirty="0" smtClean="0"/>
+              <a:t>We use the same Scotch optimizer, but eliminate the CPU from the list of available devices fed to the optimizer. Similar to the single-GPU placement, if an operation has no GPU implementation, it runs on the CPU.</a:t>
+            </a:r>
             <a:endParaRPr lang="en-US" dirty="0"/>
           </a:p>
         </p:txBody>
@@ -1434,7 +1193,7 @@
           <a:p>
             <a:fld id="{D904D311-73F7-5D42-B843-E8305C73070F}" type="slidenum">
               <a:rPr lang="en-US" smtClean="0"/>
-              <a:t>49</a:t>
+              <a:t>32</a:t>
             </a:fld>
             <a:endParaRPr lang="en-US"/>
           </a:p>
@@ -1443,7 +1202,7 @@
     </p:spTree>
     <p:extLst>
       <p:ext uri="{BB962C8B-B14F-4D97-AF65-F5344CB8AC3E}">
-        <p14:creationId xmlns:p14="http://schemas.microsoft.com/office/powerpoint/2010/main" val="1856912314"/>
+        <p14:creationId xmlns:p14="http://schemas.microsoft.com/office/powerpoint/2010/main" val="44202963"/>
       </p:ext>
     </p:extLst>
   </p:cSld>
@@ -1498,9 +1257,18 @@
           <a:lstStyle/>
           <a:p>
             <a:r>
-              <a:rPr lang="en-US" dirty="0"/>
-              <a:t>ML frameworks will suffer from huge performance penalties when relying on page-migration for training DNNs. </a:t>
-            </a:r>
+              <a:rPr lang="en-US" dirty="0" smtClean="0"/>
+              <a:t>The</a:t>
+            </a:r>
+            <a:r>
+              <a:rPr lang="en-US" baseline="0" dirty="0" smtClean="0"/>
+              <a:t> group shows the RL-based learnt results. </a:t>
+            </a:r>
+            <a:r>
+              <a:rPr lang="en-US" dirty="0" smtClean="0"/>
+              <a:t>Color represent</a:t>
+            </a:r>
+            <a:endParaRPr lang="en-US" dirty="0"/>
           </a:p>
         </p:txBody>
       </p:sp>
@@ -1511,7 +1279,7 @@
             <a:spLocks noGrp="1"/>
           </p:cNvSpPr>
           <p:nvPr>
-            <p:ph type="sldNum" sz="quarter" idx="5"/>
+            <p:ph type="sldNum" sz="quarter" idx="10"/>
           </p:nvPr>
         </p:nvSpPr>
         <p:spPr/>
@@ -1521,7 +1289,7 @@
           <a:p>
             <a:fld id="{D904D311-73F7-5D42-B843-E8305C73070F}" type="slidenum">
               <a:rPr lang="en-US" smtClean="0"/>
-              <a:t>50</a:t>
+              <a:t>33</a:t>
             </a:fld>
             <a:endParaRPr lang="en-US"/>
           </a:p>
@@ -1530,7 +1298,7 @@
     </p:spTree>
     <p:extLst>
       <p:ext uri="{BB962C8B-B14F-4D97-AF65-F5344CB8AC3E}">
-        <p14:creationId xmlns:p14="http://schemas.microsoft.com/office/powerpoint/2010/main" val="3649075859"/>
+        <p14:creationId xmlns:p14="http://schemas.microsoft.com/office/powerpoint/2010/main" val="2542217519"/>
       </p:ext>
     </p:extLst>
   </p:cSld>
@@ -1584,7 +1352,10 @@
           <a:bodyPr/>
           <a:lstStyle/>
           <a:p>
-            <a:endParaRPr lang="en-US" dirty="0"/>
+            <a:r>
+              <a:rPr lang="en-US" dirty="0"/>
+              <a:t>Interestingly, if we do not take into account the time for back-propagation, then expert-designed placement makes sense because the workload is more balanced (whilst still less balanced than ours).</a:t>
+            </a:r>
           </a:p>
         </p:txBody>
       </p:sp>
@@ -1595,7 +1366,7 @@
             <a:spLocks noGrp="1"/>
           </p:cNvSpPr>
           <p:nvPr>
-            <p:ph type="sldNum" sz="quarter" idx="10"/>
+            <p:ph type="sldNum" sz="quarter" idx="5"/>
           </p:nvPr>
         </p:nvSpPr>
         <p:spPr/>
@@ -1605,7 +1376,7 @@
           <a:p>
             <a:fld id="{D904D311-73F7-5D42-B843-E8305C73070F}" type="slidenum">
               <a:rPr lang="en-US" smtClean="0"/>
-              <a:t>51</a:t>
+              <a:t>38</a:t>
             </a:fld>
             <a:endParaRPr lang="en-US"/>
           </a:p>
@@ -1614,7 +1385,7 @@
     </p:spTree>
     <p:extLst>
       <p:ext uri="{BB962C8B-B14F-4D97-AF65-F5344CB8AC3E}">
-        <p14:creationId xmlns:p14="http://schemas.microsoft.com/office/powerpoint/2010/main" val="2614637527"/>
+        <p14:creationId xmlns:p14="http://schemas.microsoft.com/office/powerpoint/2010/main" val="992122168"/>
       </p:ext>
     </p:extLst>
   </p:cSld>
@@ -1668,56 +1439,6 @@
           <a:bodyPr/>
           <a:lstStyle/>
           <a:p>
-            <a:r>
-              <a:rPr lang="en-US" sz="1200" b="1" i="0" kern="1200" dirty="0" smtClean="0">
-                <a:solidFill>
-                  <a:schemeClr val="tx1"/>
-                </a:solidFill>
-                <a:effectLst/>
-                <a:latin typeface="+mn-lt"/>
-                <a:ea typeface="+mn-ea"/>
-                <a:cs typeface="+mn-cs"/>
-              </a:rPr>
-              <a:t>Arithmetic intensity</a:t>
-            </a:r>
-            <a:r>
-              <a:rPr lang="en-US" sz="1200" b="0" i="0" kern="1200" dirty="0" smtClean="0">
-                <a:solidFill>
-                  <a:schemeClr val="tx1"/>
-                </a:solidFill>
-                <a:effectLst/>
-                <a:latin typeface="+mn-lt"/>
-                <a:ea typeface="+mn-ea"/>
-                <a:cs typeface="+mn-cs"/>
-              </a:rPr>
-              <a:t> is a measure of floating-point operations (FLOPs) performed by a given code (or code section) relative to the amount of memory accesses (Bytes) that are required to support those operations. It is most often defined as a FLOP per Byte ratio (F/B).</a:t>
-            </a:r>
-          </a:p>
-          <a:p>
-            <a:r>
-              <a:rPr lang="en-US" sz="1200" b="0" i="0" kern="1200" dirty="0" smtClean="0">
-                <a:solidFill>
-                  <a:schemeClr val="tx1"/>
-                </a:solidFill>
-                <a:effectLst/>
-                <a:latin typeface="+mn-lt"/>
-                <a:ea typeface="+mn-ea"/>
-                <a:cs typeface="+mn-cs"/>
-              </a:rPr>
-              <a:t>You</a:t>
-            </a:r>
-            <a:r>
-              <a:rPr lang="en-US" sz="1200" b="0" i="0" kern="1200" baseline="0" dirty="0" smtClean="0">
-                <a:solidFill>
-                  <a:schemeClr val="tx1"/>
-                </a:solidFill>
-                <a:effectLst/>
-                <a:latin typeface="+mn-lt"/>
-                <a:ea typeface="+mn-ea"/>
-                <a:cs typeface="+mn-cs"/>
-              </a:rPr>
-              <a:t> can imagine a </a:t>
-            </a:r>
             <a:endParaRPr lang="en-US" dirty="0"/>
           </a:p>
         </p:txBody>
@@ -1739,7 +1460,7 @@
           <a:p>
             <a:fld id="{D904D311-73F7-5D42-B843-E8305C73070F}" type="slidenum">
               <a:rPr lang="en-US" smtClean="0"/>
-              <a:t>52</a:t>
+              <a:t>42</a:t>
             </a:fld>
             <a:endParaRPr lang="en-US"/>
           </a:p>
@@ -1748,7 +1469,7 @@
     </p:spTree>
     <p:extLst>
       <p:ext uri="{BB962C8B-B14F-4D97-AF65-F5344CB8AC3E}">
-        <p14:creationId xmlns:p14="http://schemas.microsoft.com/office/powerpoint/2010/main" val="341820576"/>
+        <p14:creationId xmlns:p14="http://schemas.microsoft.com/office/powerpoint/2010/main" val="2773256589"/>
       </p:ext>
     </p:extLst>
   </p:cSld>
@@ -1802,43 +1523,6 @@
           <a:bodyPr/>
           <a:lstStyle/>
           <a:p>
-            <a:pPr marL="228600" indent="-228600">
-              <a:buAutoNum type="arabicPeriod"/>
-            </a:pPr>
-            <a:r>
-              <a:rPr lang="en-US" dirty="0" smtClean="0"/>
-              <a:t>Virtualization enables the possibility</a:t>
-            </a:r>
-            <a:r>
-              <a:rPr lang="en-US" baseline="0" dirty="0" smtClean="0"/>
-              <a:t> of memory transfer and efficiently usage.</a:t>
-            </a:r>
-          </a:p>
-          <a:p>
-            <a:pPr marL="228600" indent="-228600">
-              <a:buAutoNum type="arabicPeriod"/>
-            </a:pPr>
-            <a:r>
-              <a:rPr lang="en-US" baseline="0" dirty="0" smtClean="0"/>
-              <a:t>GPU memory is precious! CPU memory, on the other hand, is significantly cheaper.</a:t>
-            </a:r>
-          </a:p>
-          <a:p>
-            <a:pPr marL="228600" indent="-228600">
-              <a:buAutoNum type="arabicPeriod"/>
-            </a:pPr>
-            <a:r>
-              <a:rPr lang="en-US" baseline="0" dirty="0" smtClean="0"/>
-              <a:t>Virtualization is harmful for </a:t>
-            </a:r>
-            <a:r>
-              <a:rPr lang="en-US" baseline="0" dirty="0" err="1" smtClean="0"/>
-              <a:t>performnace</a:t>
-            </a:r>
-            <a:r>
-              <a:rPr lang="en-US" baseline="0" dirty="0" smtClean="0"/>
-              <a:t>. </a:t>
-            </a:r>
             <a:endParaRPr lang="en-US" dirty="0"/>
           </a:p>
         </p:txBody>
@@ -1860,7 +1544,7 @@
           <a:p>
             <a:fld id="{D904D311-73F7-5D42-B843-E8305C73070F}" type="slidenum">
               <a:rPr lang="en-US" smtClean="0"/>
-              <a:t>53</a:t>
+              <a:t>47</a:t>
             </a:fld>
             <a:endParaRPr lang="en-US"/>
           </a:p>
@@ -1869,7 +1553,7 @@
     </p:spTree>
     <p:extLst>
       <p:ext uri="{BB962C8B-B14F-4D97-AF65-F5344CB8AC3E}">
-        <p14:creationId xmlns:p14="http://schemas.microsoft.com/office/powerpoint/2010/main" val="3009774969"/>
+        <p14:creationId xmlns:p14="http://schemas.microsoft.com/office/powerpoint/2010/main" val="16863197"/>
       </p:ext>
     </p:extLst>
   </p:cSld>
@@ -1923,26 +1607,6 @@
           <a:bodyPr/>
           <a:lstStyle/>
           <a:p>
-            <a:r>
-              <a:rPr lang="en-US" dirty="0" smtClean="0"/>
-              <a:t>In that sense, we</a:t>
-            </a:r>
-            <a:r>
-              <a:rPr lang="en-US" baseline="0" dirty="0" smtClean="0"/>
-              <a:t> ask two questions:</a:t>
-            </a:r>
-          </a:p>
-          <a:p>
-            <a:r>
-              <a:rPr lang="en-US" baseline="0" dirty="0" smtClean="0"/>
-              <a:t>Is the data useful later, if not, just release;</a:t>
-            </a:r>
-          </a:p>
-          <a:p>
-            <a:r>
-              <a:rPr lang="en-US" baseline="0" dirty="0" smtClean="0"/>
-              <a:t>Is the data useful right now, if not, just transfer to CPU</a:t>
-            </a:r>
             <a:endParaRPr lang="en-US" dirty="0"/>
           </a:p>
         </p:txBody>
@@ -1954,7 +1618,7 @@
             <a:spLocks noGrp="1"/>
           </p:cNvSpPr>
           <p:nvPr>
-            <p:ph type="sldNum" sz="quarter" idx="10"/>
+            <p:ph type="sldNum" sz="quarter" idx="5"/>
           </p:nvPr>
         </p:nvSpPr>
         <p:spPr/>
@@ -1964,7 +1628,7 @@
           <a:p>
             <a:fld id="{D904D311-73F7-5D42-B843-E8305C73070F}" type="slidenum">
               <a:rPr lang="en-US" smtClean="0"/>
-              <a:t>54</a:t>
+              <a:t>48</a:t>
             </a:fld>
             <a:endParaRPr lang="en-US"/>
           </a:p>
@@ -1973,7 +1637,7 @@
     </p:spTree>
     <p:extLst>
       <p:ext uri="{BB962C8B-B14F-4D97-AF65-F5344CB8AC3E}">
-        <p14:creationId xmlns:p14="http://schemas.microsoft.com/office/powerpoint/2010/main" val="798412350"/>
+        <p14:creationId xmlns:p14="http://schemas.microsoft.com/office/powerpoint/2010/main" val="1711825162"/>
       </p:ext>
     </p:extLst>
   </p:cSld>
@@ -2028,7 +1692,7 @@
           <a:lstStyle/>
           <a:p>
             <a:r>
-              <a:rPr lang="en-US" sz="1200" b="0" i="0" kern="1200" dirty="0">
+              <a:rPr lang="en-US" sz="1200" b="0" i="0" kern="1200" dirty="0" smtClean="0">
                 <a:solidFill>
                   <a:schemeClr val="tx1"/>
                 </a:solidFill>
@@ -2037,10 +1701,10 @@
                 <a:ea typeface="+mn-ea"/>
                 <a:cs typeface="+mn-cs"/>
               </a:rPr>
-              <a:t>Pinned memory is memory allocated using the </a:t>
-            </a:r>
-            <a:r>
-              <a:rPr lang="en-US" sz="1200" b="0" i="1" kern="1200" dirty="0" err="1">
+              <a:t>A </a:t>
+            </a:r>
+            <a:r>
+              <a:rPr lang="en-US" sz="1200" b="1" i="0" kern="1200" dirty="0" smtClean="0">
                 <a:solidFill>
                   <a:schemeClr val="tx1"/>
                 </a:solidFill>
@@ -2049,10 +1713,10 @@
                 <a:ea typeface="+mn-ea"/>
                 <a:cs typeface="+mn-cs"/>
               </a:rPr>
-              <a:t>cudaMallocHost</a:t>
-            </a:r>
-            <a:r>
-              <a:rPr lang="en-US" sz="1200" b="0" i="0" kern="1200" dirty="0">
+              <a:t>page</a:t>
+            </a:r>
+            <a:r>
+              <a:rPr lang="en-US" sz="1200" b="0" i="0" kern="1200" dirty="0" smtClean="0">
                 <a:solidFill>
                   <a:schemeClr val="tx1"/>
                 </a:solidFill>
@@ -2061,8 +1725,291 @@
                 <a:ea typeface="+mn-ea"/>
                 <a:cs typeface="+mn-cs"/>
               </a:rPr>
-              <a:t> function, which prevents the memory from being swapped out and provides improved transfer speeds. </a:t>
-            </a:r>
+              <a:t>, </a:t>
+            </a:r>
+            <a:r>
+              <a:rPr lang="en-US" sz="1200" b="1" i="0" kern="1200" dirty="0" smtClean="0">
+                <a:solidFill>
+                  <a:schemeClr val="tx1"/>
+                </a:solidFill>
+                <a:effectLst/>
+                <a:latin typeface="+mn-lt"/>
+                <a:ea typeface="+mn-ea"/>
+                <a:cs typeface="+mn-cs"/>
+              </a:rPr>
+              <a:t>memory page</a:t>
+            </a:r>
+            <a:r>
+              <a:rPr lang="en-US" sz="1200" b="0" i="0" kern="1200" dirty="0" smtClean="0">
+                <a:solidFill>
+                  <a:schemeClr val="tx1"/>
+                </a:solidFill>
+                <a:effectLst/>
+                <a:latin typeface="+mn-lt"/>
+                <a:ea typeface="+mn-ea"/>
+                <a:cs typeface="+mn-cs"/>
+              </a:rPr>
+              <a:t>, or </a:t>
+            </a:r>
+            <a:r>
+              <a:rPr lang="en-US" sz="1200" b="1" i="0" kern="1200" dirty="0" smtClean="0">
+                <a:solidFill>
+                  <a:schemeClr val="tx1"/>
+                </a:solidFill>
+                <a:effectLst/>
+                <a:latin typeface="+mn-lt"/>
+                <a:ea typeface="+mn-ea"/>
+                <a:cs typeface="+mn-cs"/>
+              </a:rPr>
+              <a:t>virtual page</a:t>
+            </a:r>
+            <a:r>
+              <a:rPr lang="en-US" sz="1200" b="0" i="0" kern="1200" dirty="0" smtClean="0">
+                <a:solidFill>
+                  <a:schemeClr val="tx1"/>
+                </a:solidFill>
+                <a:effectLst/>
+                <a:latin typeface="+mn-lt"/>
+                <a:ea typeface="+mn-ea"/>
+                <a:cs typeface="+mn-cs"/>
+              </a:rPr>
+              <a:t> is a fixed-length contiguous block of </a:t>
+            </a:r>
+            <a:r>
+              <a:rPr lang="en-US" sz="1200" b="0" i="0" u="none" strike="noStrike" kern="1200" dirty="0" smtClean="0">
+                <a:solidFill>
+                  <a:schemeClr val="tx1"/>
+                </a:solidFill>
+                <a:effectLst/>
+                <a:latin typeface="+mn-lt"/>
+                <a:ea typeface="+mn-ea"/>
+                <a:cs typeface="+mn-cs"/>
+                <a:hlinkClick r:id="rId3" tooltip="Virtual memory"/>
+              </a:rPr>
+              <a:t>virtual memory</a:t>
+            </a:r>
+            <a:r>
+              <a:rPr lang="en-US" sz="1200" b="0" i="0" kern="1200" dirty="0" smtClean="0">
+                <a:solidFill>
+                  <a:schemeClr val="tx1"/>
+                </a:solidFill>
+                <a:effectLst/>
+                <a:latin typeface="+mn-lt"/>
+                <a:ea typeface="+mn-ea"/>
+                <a:cs typeface="+mn-cs"/>
+              </a:rPr>
+              <a:t>, described by a single entry in the </a:t>
+            </a:r>
+            <a:r>
+              <a:rPr lang="en-US" sz="1200" b="0" i="0" u="none" strike="noStrike" kern="1200" dirty="0" smtClean="0">
+                <a:solidFill>
+                  <a:schemeClr val="tx1"/>
+                </a:solidFill>
+                <a:effectLst/>
+                <a:latin typeface="+mn-lt"/>
+                <a:ea typeface="+mn-ea"/>
+                <a:cs typeface="+mn-cs"/>
+                <a:hlinkClick r:id="rId4" tooltip="Page table"/>
+              </a:rPr>
+              <a:t>page table</a:t>
+            </a:r>
+            <a:r>
+              <a:rPr lang="en-US" sz="1200" b="0" i="0" kern="1200" dirty="0" smtClean="0">
+                <a:solidFill>
+                  <a:schemeClr val="tx1"/>
+                </a:solidFill>
+                <a:effectLst/>
+                <a:latin typeface="+mn-lt"/>
+                <a:ea typeface="+mn-ea"/>
+                <a:cs typeface="+mn-cs"/>
+              </a:rPr>
+              <a:t>. It is the smallest unit of data for memory management in a virtual memory </a:t>
+            </a:r>
+            <a:r>
+              <a:rPr lang="en-US" sz="1200" b="0" i="0" u="none" strike="noStrike" kern="1200" dirty="0" smtClean="0">
+                <a:solidFill>
+                  <a:schemeClr val="tx1"/>
+                </a:solidFill>
+                <a:effectLst/>
+                <a:latin typeface="+mn-lt"/>
+                <a:ea typeface="+mn-ea"/>
+                <a:cs typeface="+mn-cs"/>
+                <a:hlinkClick r:id="rId5" tooltip="Operating system"/>
+              </a:rPr>
+              <a:t>operating system</a:t>
+            </a:r>
+            <a:r>
+              <a:rPr lang="en-US" sz="1200" b="0" i="0" kern="1200" dirty="0" smtClean="0">
+                <a:solidFill>
+                  <a:schemeClr val="tx1"/>
+                </a:solidFill>
+                <a:effectLst/>
+                <a:latin typeface="+mn-lt"/>
+                <a:ea typeface="+mn-ea"/>
+                <a:cs typeface="+mn-cs"/>
+              </a:rPr>
+              <a:t>. Similarly, a </a:t>
+            </a:r>
+            <a:r>
+              <a:rPr lang="en-US" sz="1200" b="1" i="0" kern="1200" dirty="0" smtClean="0">
+                <a:solidFill>
+                  <a:schemeClr val="tx1"/>
+                </a:solidFill>
+                <a:effectLst/>
+                <a:latin typeface="+mn-lt"/>
+                <a:ea typeface="+mn-ea"/>
+                <a:cs typeface="+mn-cs"/>
+              </a:rPr>
+              <a:t>page frame</a:t>
+            </a:r>
+            <a:r>
+              <a:rPr lang="en-US" sz="1200" b="0" i="0" kern="1200" dirty="0" smtClean="0">
+                <a:solidFill>
+                  <a:schemeClr val="tx1"/>
+                </a:solidFill>
+                <a:effectLst/>
+                <a:latin typeface="+mn-lt"/>
+                <a:ea typeface="+mn-ea"/>
+                <a:cs typeface="+mn-cs"/>
+              </a:rPr>
+              <a:t> is the smallest fixed-length contiguous block of </a:t>
+            </a:r>
+            <a:r>
+              <a:rPr lang="en-US" sz="1200" b="0" i="0" u="none" strike="noStrike" kern="1200" dirty="0" smtClean="0">
+                <a:solidFill>
+                  <a:schemeClr val="tx1"/>
+                </a:solidFill>
+                <a:effectLst/>
+                <a:latin typeface="+mn-lt"/>
+                <a:ea typeface="+mn-ea"/>
+                <a:cs typeface="+mn-cs"/>
+                <a:hlinkClick r:id="rId6" tooltip="Physical memory"/>
+              </a:rPr>
+              <a:t>physical memory</a:t>
+            </a:r>
+            <a:r>
+              <a:rPr lang="en-US" sz="1200" b="0" i="0" kern="1200" dirty="0" smtClean="0">
+                <a:solidFill>
+                  <a:schemeClr val="tx1"/>
+                </a:solidFill>
+                <a:effectLst/>
+                <a:latin typeface="+mn-lt"/>
+                <a:ea typeface="+mn-ea"/>
+                <a:cs typeface="+mn-cs"/>
+              </a:rPr>
+              <a:t> into which memory pages are mapped by the operating system.</a:t>
+            </a:r>
+            <a:r>
+              <a:rPr lang="en-US" sz="1200" b="0" i="0" u="none" strike="noStrike" kern="1200" baseline="30000" dirty="0" smtClean="0">
+                <a:solidFill>
+                  <a:schemeClr val="tx1"/>
+                </a:solidFill>
+                <a:effectLst/>
+                <a:latin typeface="+mn-lt"/>
+                <a:ea typeface="+mn-ea"/>
+                <a:cs typeface="+mn-cs"/>
+                <a:hlinkClick r:id="rId7"/>
+              </a:rPr>
+              <a:t>[1]</a:t>
+            </a:r>
+            <a:r>
+              <a:rPr lang="en-US" sz="1200" b="0" i="0" u="none" strike="noStrike" kern="1200" baseline="30000" dirty="0" smtClean="0">
+                <a:solidFill>
+                  <a:schemeClr val="tx1"/>
+                </a:solidFill>
+                <a:effectLst/>
+                <a:latin typeface="+mn-lt"/>
+                <a:ea typeface="+mn-ea"/>
+                <a:cs typeface="+mn-cs"/>
+                <a:hlinkClick r:id="rId8"/>
+              </a:rPr>
+              <a:t>[2]</a:t>
+            </a:r>
+            <a:r>
+              <a:rPr lang="en-US" sz="1200" b="0" i="0" u="none" strike="noStrike" kern="1200" baseline="30000" dirty="0" smtClean="0">
+                <a:solidFill>
+                  <a:schemeClr val="tx1"/>
+                </a:solidFill>
+                <a:effectLst/>
+                <a:latin typeface="+mn-lt"/>
+                <a:ea typeface="+mn-ea"/>
+                <a:cs typeface="+mn-cs"/>
+                <a:hlinkClick r:id="rId9"/>
+              </a:rPr>
+              <a:t>[3]</a:t>
+            </a:r>
+            <a:endParaRPr lang="en-US" sz="1200" b="0" i="0" kern="1200" dirty="0" smtClean="0">
+              <a:solidFill>
+                <a:schemeClr val="tx1"/>
+              </a:solidFill>
+              <a:effectLst/>
+              <a:latin typeface="+mn-lt"/>
+              <a:ea typeface="+mn-ea"/>
+              <a:cs typeface="+mn-cs"/>
+            </a:endParaRPr>
+          </a:p>
+          <a:p>
+            <a:r>
+              <a:rPr lang="en-US" sz="1200" b="0" i="0" kern="1200" dirty="0" smtClean="0">
+                <a:solidFill>
+                  <a:schemeClr val="tx1"/>
+                </a:solidFill>
+                <a:effectLst/>
+                <a:latin typeface="+mn-lt"/>
+                <a:ea typeface="+mn-ea"/>
+                <a:cs typeface="+mn-cs"/>
+              </a:rPr>
+              <a:t>A transfer of pages between main memory and an auxiliary store, such as a hard disk drive, is referred to as </a:t>
+            </a:r>
+            <a:r>
+              <a:rPr lang="en-US" sz="1200" b="0" i="0" u="none" strike="noStrike" kern="1200" dirty="0" smtClean="0">
+                <a:solidFill>
+                  <a:schemeClr val="tx1"/>
+                </a:solidFill>
+                <a:effectLst/>
+                <a:latin typeface="+mn-lt"/>
+                <a:ea typeface="+mn-ea"/>
+                <a:cs typeface="+mn-cs"/>
+                <a:hlinkClick r:id="rId10" tooltip="Paging"/>
+              </a:rPr>
+              <a:t>paging</a:t>
+            </a:r>
+            <a:r>
+              <a:rPr lang="en-US" sz="1200" b="0" i="0" kern="1200" dirty="0" smtClean="0">
+                <a:solidFill>
+                  <a:schemeClr val="tx1"/>
+                </a:solidFill>
+                <a:effectLst/>
+                <a:latin typeface="+mn-lt"/>
+                <a:ea typeface="+mn-ea"/>
+                <a:cs typeface="+mn-cs"/>
+              </a:rPr>
+              <a:t> or swapping.</a:t>
+            </a:r>
+            <a:r>
+              <a:rPr lang="en-US" sz="1200" b="0" i="0" u="none" strike="noStrike" kern="1200" baseline="30000" dirty="0" smtClean="0">
+                <a:solidFill>
+                  <a:schemeClr val="tx1"/>
+                </a:solidFill>
+                <a:effectLst/>
+                <a:latin typeface="+mn-lt"/>
+                <a:ea typeface="+mn-ea"/>
+                <a:cs typeface="+mn-cs"/>
+                <a:hlinkClick r:id="rId11"/>
+              </a:rPr>
+              <a:t>[4]</a:t>
+            </a:r>
+            <a:endParaRPr lang="en-US" sz="1200" b="0" i="0" kern="1200" dirty="0" smtClean="0">
+              <a:solidFill>
+                <a:schemeClr val="tx1"/>
+              </a:solidFill>
+              <a:effectLst/>
+              <a:latin typeface="+mn-lt"/>
+              <a:ea typeface="+mn-ea"/>
+              <a:cs typeface="+mn-cs"/>
+            </a:endParaRPr>
+          </a:p>
+          <a:p>
             <a:endParaRPr lang="en-US" dirty="0"/>
           </a:p>
         </p:txBody>
@@ -2074,7 +2021,7 @@
             <a:spLocks noGrp="1"/>
           </p:cNvSpPr>
           <p:nvPr>
-            <p:ph type="sldNum" sz="quarter" idx="5"/>
+            <p:ph type="sldNum" sz="quarter" idx="10"/>
           </p:nvPr>
         </p:nvSpPr>
         <p:spPr/>
@@ -2084,7 +2031,7 @@
           <a:p>
             <a:fld id="{D904D311-73F7-5D42-B843-E8305C73070F}" type="slidenum">
               <a:rPr lang="en-US" smtClean="0"/>
-              <a:t>59</a:t>
+              <a:t>49</a:t>
             </a:fld>
             <a:endParaRPr lang="en-US"/>
           </a:p>
@@ -2093,7 +2040,7 @@
     </p:spTree>
     <p:extLst>
       <p:ext uri="{BB962C8B-B14F-4D97-AF65-F5344CB8AC3E}">
-        <p14:creationId xmlns:p14="http://schemas.microsoft.com/office/powerpoint/2010/main" val="778358141"/>
+        <p14:creationId xmlns:p14="http://schemas.microsoft.com/office/powerpoint/2010/main" val="1856912314"/>
       </p:ext>
     </p:extLst>
   </p:cSld>
@@ -2149,28 +2096,8 @@
           <a:p>
             <a:r>
               <a:rPr lang="en-US" dirty="0"/>
-              <a:t>In other words, prefetching data too early in time will again </a:t>
-            </a:r>
-            <a:r>
-              <a:rPr lang="en-US" dirty="0" err="1"/>
-              <a:t>suboptimally</a:t>
-            </a:r>
-            <a:r>
-              <a:rPr lang="en-US" dirty="0"/>
-              <a:t> utilize GPU memory as the prefetched data will once again camp inside the GPU memory without immediate usage.</a:t>
-            </a:r>
-          </a:p>
-          <a:p>
-            <a:r>
-              <a:rPr lang="en-US" dirty="0"/>
-              <a:t>Consequently, any prefetch operation launched during layer(n) ’s backward computation is guaranteed to be ready before layer(n−1)’s computation</a:t>
-            </a:r>
-          </a:p>
-          <a:p>
-            <a:endParaRPr lang="en-US" dirty="0"/>
-          </a:p>
-          <a:p>
-            <a:endParaRPr lang="en-US" dirty="0"/>
+              <a:t>ML frameworks will suffer from huge performance penalties when relying on page-migration for training DNNs. </a:t>
+            </a:r>
           </a:p>
         </p:txBody>
       </p:sp>
@@ -2191,7 +2118,7 @@
           <a:p>
             <a:fld id="{D904D311-73F7-5D42-B843-E8305C73070F}" type="slidenum">
               <a:rPr lang="en-US" smtClean="0"/>
-              <a:t>61</a:t>
+              <a:t>50</a:t>
             </a:fld>
             <a:endParaRPr lang="en-US"/>
           </a:p>
@@ -2200,7 +2127,7 @@
     </p:spTree>
     <p:extLst>
       <p:ext uri="{BB962C8B-B14F-4D97-AF65-F5344CB8AC3E}">
-        <p14:creationId xmlns:p14="http://schemas.microsoft.com/office/powerpoint/2010/main" val="3844929703"/>
+        <p14:creationId xmlns:p14="http://schemas.microsoft.com/office/powerpoint/2010/main" val="3649075859"/>
       </p:ext>
     </p:extLst>
   </p:cSld>
@@ -2254,33 +2181,7 @@
           <a:bodyPr/>
           <a:lstStyle/>
           <a:p>
-            <a:r>
-              <a:rPr lang="en-US" dirty="0"/>
-              <a:t>The baseline is the normal process of training. From forward propagation 1 to n, then backward propagation n to1.</a:t>
-            </a:r>
-          </a:p>
-          <a:p>
             <a:endParaRPr lang="en-US" dirty="0"/>
-          </a:p>
-          <a:p>
-            <a:r>
-              <a:rPr lang="en-US" dirty="0"/>
-              <a:t>In the </a:t>
-            </a:r>
-            <a:r>
-              <a:rPr lang="en-US" dirty="0" err="1"/>
-              <a:t>vDNN</a:t>
-            </a:r>
-            <a:r>
-              <a:rPr lang="en-US" dirty="0"/>
-              <a:t>, it’s all the same, but with memory allocation and transfer. </a:t>
-            </a:r>
-          </a:p>
-          <a:p>
-            <a:r>
-              <a:rPr lang="en-US" dirty="0"/>
-              <a:t>If offload or prefetch process is longer than the actual propagation, then it has to wait.</a:t>
-            </a:r>
           </a:p>
         </p:txBody>
       </p:sp>
@@ -2291,7 +2192,7 @@
             <a:spLocks noGrp="1"/>
           </p:cNvSpPr>
           <p:nvPr>
-            <p:ph type="sldNum" sz="quarter" idx="5"/>
+            <p:ph type="sldNum" sz="quarter" idx="10"/>
           </p:nvPr>
         </p:nvSpPr>
         <p:spPr/>
@@ -2301,7 +2202,7 @@
           <a:p>
             <a:fld id="{D904D311-73F7-5D42-B843-E8305C73070F}" type="slidenum">
               <a:rPr lang="en-US" smtClean="0"/>
-              <a:t>62</a:t>
+              <a:t>51</a:t>
             </a:fld>
             <a:endParaRPr lang="en-US"/>
           </a:p>
@@ -2310,7 +2211,7 @@
     </p:spTree>
     <p:extLst>
       <p:ext uri="{BB962C8B-B14F-4D97-AF65-F5344CB8AC3E}">
-        <p14:creationId xmlns:p14="http://schemas.microsoft.com/office/powerpoint/2010/main" val="3400057104"/>
+        <p14:creationId xmlns:p14="http://schemas.microsoft.com/office/powerpoint/2010/main" val="2614637527"/>
       </p:ext>
     </p:extLst>
   </p:cSld>
@@ -2364,6 +2265,60 @@
           <a:bodyPr/>
           <a:lstStyle/>
           <a:p>
+            <a:r>
+              <a:rPr lang="en-US" sz="1200" b="0" i="0" kern="1200" dirty="0">
+                <a:solidFill>
+                  <a:schemeClr val="tx1"/>
+                </a:solidFill>
+                <a:effectLst/>
+                <a:latin typeface="+mn-lt"/>
+                <a:ea typeface="+mn-ea"/>
+                <a:cs typeface="+mn-cs"/>
+              </a:rPr>
+              <a:t>RL works faster, since not non-deterministic</a:t>
+            </a:r>
+            <a:r>
+              <a:rPr lang="en-US" sz="1200" b="0" i="0" kern="1200" baseline="0" dirty="0">
+                <a:solidFill>
+                  <a:schemeClr val="tx1"/>
+                </a:solidFill>
+                <a:effectLst/>
+                <a:latin typeface="+mn-lt"/>
+                <a:ea typeface="+mn-ea"/>
+                <a:cs typeface="+mn-cs"/>
+              </a:rPr>
+              <a:t> for GA;</a:t>
+            </a:r>
+          </a:p>
+          <a:p>
+            <a:r>
+              <a:rPr lang="en-US" sz="1200" b="0" i="0" kern="1200" dirty="0">
+                <a:solidFill>
+                  <a:schemeClr val="tx1"/>
+                </a:solidFill>
+                <a:effectLst/>
+                <a:latin typeface="+mn-lt"/>
+                <a:ea typeface="+mn-ea"/>
+                <a:cs typeface="+mn-cs"/>
+              </a:rPr>
+              <a:t>RL benefits from features such as temporal credit assignment, which can speed up the convergence. It does so by maintaining a ‘trace’ of highly rewarding states.</a:t>
+            </a:r>
+          </a:p>
+          <a:p>
+            <a:r>
+              <a:rPr lang="en-US" sz="1200" b="0" i="0" kern="1200" dirty="0">
+                <a:solidFill>
+                  <a:schemeClr val="tx1"/>
+                </a:solidFill>
+                <a:effectLst/>
+                <a:latin typeface="+mn-lt"/>
+                <a:ea typeface="+mn-ea"/>
+                <a:cs typeface="+mn-cs"/>
+              </a:rPr>
+              <a:t>GA is by definition, an inter-life algorithm, which means that the approach requires individuals to ‘die’ in order to progress. RL is intended to be an intra-life learning algorithm, with many recently (an not so recently) developed methods targeting the issue of continual learning and safe RL.</a:t>
+            </a:r>
+          </a:p>
+          <a:p>
             <a:endParaRPr lang="en-US" dirty="0"/>
           </a:p>
         </p:txBody>
@@ -2385,7 +2340,7 @@
           <a:p>
             <a:fld id="{D904D311-73F7-5D42-B843-E8305C73070F}" type="slidenum">
               <a:rPr lang="en-US" smtClean="0"/>
-              <a:t>17</a:t>
+              <a:t>12</a:t>
             </a:fld>
             <a:endParaRPr lang="en-US"/>
           </a:p>
@@ -2394,7 +2349,7 @@
     </p:spTree>
     <p:extLst>
       <p:ext uri="{BB962C8B-B14F-4D97-AF65-F5344CB8AC3E}">
-        <p14:creationId xmlns:p14="http://schemas.microsoft.com/office/powerpoint/2010/main" val="1401746856"/>
+        <p14:creationId xmlns:p14="http://schemas.microsoft.com/office/powerpoint/2010/main" val="2242718508"/>
       </p:ext>
     </p:extLst>
   </p:cSld>
@@ -2449,6 +2404,702 @@
           <a:lstStyle/>
           <a:p>
             <a:r>
+              <a:rPr lang="en-US" sz="1200" b="1" i="0" kern="1200" dirty="0" smtClean="0">
+                <a:solidFill>
+                  <a:schemeClr val="tx1"/>
+                </a:solidFill>
+                <a:effectLst/>
+                <a:latin typeface="+mn-lt"/>
+                <a:ea typeface="+mn-ea"/>
+                <a:cs typeface="+mn-cs"/>
+              </a:rPr>
+              <a:t>Arithmetic intensity</a:t>
+            </a:r>
+            <a:r>
+              <a:rPr lang="en-US" sz="1200" b="0" i="0" kern="1200" dirty="0" smtClean="0">
+                <a:solidFill>
+                  <a:schemeClr val="tx1"/>
+                </a:solidFill>
+                <a:effectLst/>
+                <a:latin typeface="+mn-lt"/>
+                <a:ea typeface="+mn-ea"/>
+                <a:cs typeface="+mn-cs"/>
+              </a:rPr>
+              <a:t> is a measure of floating-point operations (FLOPs) performed by a given code (or code section) relative to the amount of memory accesses (Bytes) that are required to support those operations. It is most often defined as a FLOP per Byte ratio (F/B).</a:t>
+            </a:r>
+          </a:p>
+          <a:p>
+            <a:r>
+              <a:rPr lang="en-US" sz="1200" b="0" i="0" kern="1200" dirty="0" smtClean="0">
+                <a:solidFill>
+                  <a:schemeClr val="tx1"/>
+                </a:solidFill>
+                <a:effectLst/>
+                <a:latin typeface="+mn-lt"/>
+                <a:ea typeface="+mn-ea"/>
+                <a:cs typeface="+mn-cs"/>
+              </a:rPr>
+              <a:t>You</a:t>
+            </a:r>
+            <a:r>
+              <a:rPr lang="en-US" sz="1200" b="0" i="0" kern="1200" baseline="0" dirty="0" smtClean="0">
+                <a:solidFill>
+                  <a:schemeClr val="tx1"/>
+                </a:solidFill>
+                <a:effectLst/>
+                <a:latin typeface="+mn-lt"/>
+                <a:ea typeface="+mn-ea"/>
+                <a:cs typeface="+mn-cs"/>
+              </a:rPr>
+              <a:t> can imagine a </a:t>
+            </a:r>
+            <a:endParaRPr lang="en-US" dirty="0"/>
+          </a:p>
+        </p:txBody>
+      </p:sp>
+      <p:sp>
+        <p:nvSpPr>
+          <p:cNvPr id="4" name="Slide Number Placeholder 3"/>
+          <p:cNvSpPr>
+            <a:spLocks noGrp="1"/>
+          </p:cNvSpPr>
+          <p:nvPr>
+            <p:ph type="sldNum" sz="quarter" idx="10"/>
+          </p:nvPr>
+        </p:nvSpPr>
+        <p:spPr/>
+        <p:txBody>
+          <a:bodyPr/>
+          <a:lstStyle/>
+          <a:p>
+            <a:fld id="{D904D311-73F7-5D42-B843-E8305C73070F}" type="slidenum">
+              <a:rPr lang="en-US" smtClean="0"/>
+              <a:t>52</a:t>
+            </a:fld>
+            <a:endParaRPr lang="en-US"/>
+          </a:p>
+        </p:txBody>
+      </p:sp>
+    </p:spTree>
+    <p:extLst>
+      <p:ext uri="{BB962C8B-B14F-4D97-AF65-F5344CB8AC3E}">
+        <p14:creationId xmlns:p14="http://schemas.microsoft.com/office/powerpoint/2010/main" val="341820576"/>
+      </p:ext>
+    </p:extLst>
+  </p:cSld>
+  <p:clrMapOvr>
+    <a:masterClrMapping/>
+  </p:clrMapOvr>
+</p:notes>
+</file>
+
+<file path=ppt/notesSlides/notesSlide21.xml><?xml version="1.0" encoding="utf-8"?>
+<p:notes xmlns:a="http://schemas.openxmlformats.org/drawingml/2006/main" xmlns:r="http://schemas.openxmlformats.org/officeDocument/2006/relationships" xmlns:p="http://schemas.openxmlformats.org/presentationml/2006/main">
+  <p:cSld>
+    <p:spTree>
+      <p:nvGrpSpPr>
+        <p:cNvPr id="1" name=""/>
+        <p:cNvGrpSpPr/>
+        <p:nvPr/>
+      </p:nvGrpSpPr>
+      <p:grpSpPr>
+        <a:xfrm>
+          <a:off x="0" y="0"/>
+          <a:ext cx="0" cy="0"/>
+          <a:chOff x="0" y="0"/>
+          <a:chExt cx="0" cy="0"/>
+        </a:xfrm>
+      </p:grpSpPr>
+      <p:sp>
+        <p:nvSpPr>
+          <p:cNvPr id="2" name="Slide Image Placeholder 1"/>
+          <p:cNvSpPr>
+            <a:spLocks noGrp="1" noRot="1" noChangeAspect="1"/>
+          </p:cNvSpPr>
+          <p:nvPr>
+            <p:ph type="sldImg"/>
+          </p:nvPr>
+        </p:nvSpPr>
+        <p:spPr/>
+      </p:sp>
+      <p:sp>
+        <p:nvSpPr>
+          <p:cNvPr id="3" name="Notes Placeholder 2"/>
+          <p:cNvSpPr>
+            <a:spLocks noGrp="1"/>
+          </p:cNvSpPr>
+          <p:nvPr>
+            <p:ph type="body" idx="1"/>
+          </p:nvPr>
+        </p:nvSpPr>
+        <p:spPr/>
+        <p:txBody>
+          <a:bodyPr/>
+          <a:lstStyle/>
+          <a:p>
+            <a:pPr marL="228600" indent="-228600">
+              <a:buAutoNum type="arabicPeriod"/>
+            </a:pPr>
+            <a:r>
+              <a:rPr lang="en-US" dirty="0" smtClean="0"/>
+              <a:t>Virtualization enables the possibility</a:t>
+            </a:r>
+            <a:r>
+              <a:rPr lang="en-US" baseline="0" dirty="0" smtClean="0"/>
+              <a:t> of memory transfer and efficiently usage.</a:t>
+            </a:r>
+          </a:p>
+          <a:p>
+            <a:pPr marL="228600" indent="-228600">
+              <a:buAutoNum type="arabicPeriod"/>
+            </a:pPr>
+            <a:r>
+              <a:rPr lang="en-US" baseline="0" dirty="0" smtClean="0"/>
+              <a:t>GPU memory is precious! CPU memory, on the other hand, is significantly cheaper.</a:t>
+            </a:r>
+          </a:p>
+          <a:p>
+            <a:pPr marL="228600" indent="-228600">
+              <a:buAutoNum type="arabicPeriod"/>
+            </a:pPr>
+            <a:r>
+              <a:rPr lang="en-US" baseline="0" dirty="0" smtClean="0"/>
+              <a:t>Virtualization is harmful for </a:t>
+            </a:r>
+            <a:r>
+              <a:rPr lang="en-US" baseline="0" dirty="0" err="1" smtClean="0"/>
+              <a:t>performnace</a:t>
+            </a:r>
+            <a:r>
+              <a:rPr lang="en-US" baseline="0" dirty="0" smtClean="0"/>
+              <a:t>. </a:t>
+            </a:r>
+            <a:endParaRPr lang="en-US" dirty="0"/>
+          </a:p>
+        </p:txBody>
+      </p:sp>
+      <p:sp>
+        <p:nvSpPr>
+          <p:cNvPr id="4" name="Slide Number Placeholder 3"/>
+          <p:cNvSpPr>
+            <a:spLocks noGrp="1"/>
+          </p:cNvSpPr>
+          <p:nvPr>
+            <p:ph type="sldNum" sz="quarter" idx="10"/>
+          </p:nvPr>
+        </p:nvSpPr>
+        <p:spPr/>
+        <p:txBody>
+          <a:bodyPr/>
+          <a:lstStyle/>
+          <a:p>
+            <a:fld id="{D904D311-73F7-5D42-B843-E8305C73070F}" type="slidenum">
+              <a:rPr lang="en-US" smtClean="0"/>
+              <a:t>53</a:t>
+            </a:fld>
+            <a:endParaRPr lang="en-US"/>
+          </a:p>
+        </p:txBody>
+      </p:sp>
+    </p:spTree>
+    <p:extLst>
+      <p:ext uri="{BB962C8B-B14F-4D97-AF65-F5344CB8AC3E}">
+        <p14:creationId xmlns:p14="http://schemas.microsoft.com/office/powerpoint/2010/main" val="3009774969"/>
+      </p:ext>
+    </p:extLst>
+  </p:cSld>
+  <p:clrMapOvr>
+    <a:masterClrMapping/>
+  </p:clrMapOvr>
+</p:notes>
+</file>
+
+<file path=ppt/notesSlides/notesSlide22.xml><?xml version="1.0" encoding="utf-8"?>
+<p:notes xmlns:a="http://schemas.openxmlformats.org/drawingml/2006/main" xmlns:r="http://schemas.openxmlformats.org/officeDocument/2006/relationships" xmlns:p="http://schemas.openxmlformats.org/presentationml/2006/main">
+  <p:cSld>
+    <p:spTree>
+      <p:nvGrpSpPr>
+        <p:cNvPr id="1" name=""/>
+        <p:cNvGrpSpPr/>
+        <p:nvPr/>
+      </p:nvGrpSpPr>
+      <p:grpSpPr>
+        <a:xfrm>
+          <a:off x="0" y="0"/>
+          <a:ext cx="0" cy="0"/>
+          <a:chOff x="0" y="0"/>
+          <a:chExt cx="0" cy="0"/>
+        </a:xfrm>
+      </p:grpSpPr>
+      <p:sp>
+        <p:nvSpPr>
+          <p:cNvPr id="2" name="Slide Image Placeholder 1"/>
+          <p:cNvSpPr>
+            <a:spLocks noGrp="1" noRot="1" noChangeAspect="1"/>
+          </p:cNvSpPr>
+          <p:nvPr>
+            <p:ph type="sldImg"/>
+          </p:nvPr>
+        </p:nvSpPr>
+        <p:spPr/>
+      </p:sp>
+      <p:sp>
+        <p:nvSpPr>
+          <p:cNvPr id="3" name="Notes Placeholder 2"/>
+          <p:cNvSpPr>
+            <a:spLocks noGrp="1"/>
+          </p:cNvSpPr>
+          <p:nvPr>
+            <p:ph type="body" idx="1"/>
+          </p:nvPr>
+        </p:nvSpPr>
+        <p:spPr/>
+        <p:txBody>
+          <a:bodyPr/>
+          <a:lstStyle/>
+          <a:p>
+            <a:r>
+              <a:rPr lang="en-US" dirty="0" smtClean="0"/>
+              <a:t>In that sense, we</a:t>
+            </a:r>
+            <a:r>
+              <a:rPr lang="en-US" baseline="0" dirty="0" smtClean="0"/>
+              <a:t> ask two questions:</a:t>
+            </a:r>
+          </a:p>
+          <a:p>
+            <a:r>
+              <a:rPr lang="en-US" baseline="0" dirty="0" smtClean="0"/>
+              <a:t>Is the data useful later, if not, just release;</a:t>
+            </a:r>
+          </a:p>
+          <a:p>
+            <a:r>
+              <a:rPr lang="en-US" baseline="0" dirty="0" smtClean="0"/>
+              <a:t>Is the data useful right now, if not, just transfer to CPU</a:t>
+            </a:r>
+            <a:endParaRPr lang="en-US" dirty="0"/>
+          </a:p>
+        </p:txBody>
+      </p:sp>
+      <p:sp>
+        <p:nvSpPr>
+          <p:cNvPr id="4" name="Slide Number Placeholder 3"/>
+          <p:cNvSpPr>
+            <a:spLocks noGrp="1"/>
+          </p:cNvSpPr>
+          <p:nvPr>
+            <p:ph type="sldNum" sz="quarter" idx="10"/>
+          </p:nvPr>
+        </p:nvSpPr>
+        <p:spPr/>
+        <p:txBody>
+          <a:bodyPr/>
+          <a:lstStyle/>
+          <a:p>
+            <a:fld id="{D904D311-73F7-5D42-B843-E8305C73070F}" type="slidenum">
+              <a:rPr lang="en-US" smtClean="0"/>
+              <a:t>54</a:t>
+            </a:fld>
+            <a:endParaRPr lang="en-US"/>
+          </a:p>
+        </p:txBody>
+      </p:sp>
+    </p:spTree>
+    <p:extLst>
+      <p:ext uri="{BB962C8B-B14F-4D97-AF65-F5344CB8AC3E}">
+        <p14:creationId xmlns:p14="http://schemas.microsoft.com/office/powerpoint/2010/main" val="798412350"/>
+      </p:ext>
+    </p:extLst>
+  </p:cSld>
+  <p:clrMapOvr>
+    <a:masterClrMapping/>
+  </p:clrMapOvr>
+</p:notes>
+</file>
+
+<file path=ppt/notesSlides/notesSlide23.xml><?xml version="1.0" encoding="utf-8"?>
+<p:notes xmlns:a="http://schemas.openxmlformats.org/drawingml/2006/main" xmlns:r="http://schemas.openxmlformats.org/officeDocument/2006/relationships" xmlns:p="http://schemas.openxmlformats.org/presentationml/2006/main">
+  <p:cSld>
+    <p:spTree>
+      <p:nvGrpSpPr>
+        <p:cNvPr id="1" name=""/>
+        <p:cNvGrpSpPr/>
+        <p:nvPr/>
+      </p:nvGrpSpPr>
+      <p:grpSpPr>
+        <a:xfrm>
+          <a:off x="0" y="0"/>
+          <a:ext cx="0" cy="0"/>
+          <a:chOff x="0" y="0"/>
+          <a:chExt cx="0" cy="0"/>
+        </a:xfrm>
+      </p:grpSpPr>
+      <p:sp>
+        <p:nvSpPr>
+          <p:cNvPr id="2" name="Slide Image Placeholder 1"/>
+          <p:cNvSpPr>
+            <a:spLocks noGrp="1" noRot="1" noChangeAspect="1"/>
+          </p:cNvSpPr>
+          <p:nvPr>
+            <p:ph type="sldImg"/>
+          </p:nvPr>
+        </p:nvSpPr>
+        <p:spPr/>
+      </p:sp>
+      <p:sp>
+        <p:nvSpPr>
+          <p:cNvPr id="3" name="Notes Placeholder 2"/>
+          <p:cNvSpPr>
+            <a:spLocks noGrp="1"/>
+          </p:cNvSpPr>
+          <p:nvPr>
+            <p:ph type="body" idx="1"/>
+          </p:nvPr>
+        </p:nvSpPr>
+        <p:spPr/>
+        <p:txBody>
+          <a:bodyPr/>
+          <a:lstStyle/>
+          <a:p>
+            <a:r>
+              <a:rPr lang="en-US" sz="1200" b="0" i="0" kern="1200" dirty="0">
+                <a:solidFill>
+                  <a:schemeClr val="tx1"/>
+                </a:solidFill>
+                <a:effectLst/>
+                <a:latin typeface="+mn-lt"/>
+                <a:ea typeface="+mn-ea"/>
+                <a:cs typeface="+mn-cs"/>
+              </a:rPr>
+              <a:t>Pinned memory is memory allocated using the </a:t>
+            </a:r>
+            <a:r>
+              <a:rPr lang="en-US" sz="1200" b="0" i="1" kern="1200" dirty="0" err="1">
+                <a:solidFill>
+                  <a:schemeClr val="tx1"/>
+                </a:solidFill>
+                <a:effectLst/>
+                <a:latin typeface="+mn-lt"/>
+                <a:ea typeface="+mn-ea"/>
+                <a:cs typeface="+mn-cs"/>
+              </a:rPr>
+              <a:t>cudaMallocHost</a:t>
+            </a:r>
+            <a:r>
+              <a:rPr lang="en-US" sz="1200" b="0" i="0" kern="1200" dirty="0">
+                <a:solidFill>
+                  <a:schemeClr val="tx1"/>
+                </a:solidFill>
+                <a:effectLst/>
+                <a:latin typeface="+mn-lt"/>
+                <a:ea typeface="+mn-ea"/>
+                <a:cs typeface="+mn-cs"/>
+              </a:rPr>
+              <a:t> function, which prevents the memory from being swapped out and provides improved transfer speeds. </a:t>
+            </a:r>
+            <a:endParaRPr lang="en-US" dirty="0"/>
+          </a:p>
+        </p:txBody>
+      </p:sp>
+      <p:sp>
+        <p:nvSpPr>
+          <p:cNvPr id="4" name="Slide Number Placeholder 3"/>
+          <p:cNvSpPr>
+            <a:spLocks noGrp="1"/>
+          </p:cNvSpPr>
+          <p:nvPr>
+            <p:ph type="sldNum" sz="quarter" idx="5"/>
+          </p:nvPr>
+        </p:nvSpPr>
+        <p:spPr/>
+        <p:txBody>
+          <a:bodyPr/>
+          <a:lstStyle/>
+          <a:p>
+            <a:fld id="{D904D311-73F7-5D42-B843-E8305C73070F}" type="slidenum">
+              <a:rPr lang="en-US" smtClean="0"/>
+              <a:t>59</a:t>
+            </a:fld>
+            <a:endParaRPr lang="en-US"/>
+          </a:p>
+        </p:txBody>
+      </p:sp>
+    </p:spTree>
+    <p:extLst>
+      <p:ext uri="{BB962C8B-B14F-4D97-AF65-F5344CB8AC3E}">
+        <p14:creationId xmlns:p14="http://schemas.microsoft.com/office/powerpoint/2010/main" val="778358141"/>
+      </p:ext>
+    </p:extLst>
+  </p:cSld>
+  <p:clrMapOvr>
+    <a:masterClrMapping/>
+  </p:clrMapOvr>
+</p:notes>
+</file>
+
+<file path=ppt/notesSlides/notesSlide24.xml><?xml version="1.0" encoding="utf-8"?>
+<p:notes xmlns:a="http://schemas.openxmlformats.org/drawingml/2006/main" xmlns:r="http://schemas.openxmlformats.org/officeDocument/2006/relationships" xmlns:p="http://schemas.openxmlformats.org/presentationml/2006/main">
+  <p:cSld>
+    <p:spTree>
+      <p:nvGrpSpPr>
+        <p:cNvPr id="1" name=""/>
+        <p:cNvGrpSpPr/>
+        <p:nvPr/>
+      </p:nvGrpSpPr>
+      <p:grpSpPr>
+        <a:xfrm>
+          <a:off x="0" y="0"/>
+          <a:ext cx="0" cy="0"/>
+          <a:chOff x="0" y="0"/>
+          <a:chExt cx="0" cy="0"/>
+        </a:xfrm>
+      </p:grpSpPr>
+      <p:sp>
+        <p:nvSpPr>
+          <p:cNvPr id="2" name="Slide Image Placeholder 1"/>
+          <p:cNvSpPr>
+            <a:spLocks noGrp="1" noRot="1" noChangeAspect="1"/>
+          </p:cNvSpPr>
+          <p:nvPr>
+            <p:ph type="sldImg"/>
+          </p:nvPr>
+        </p:nvSpPr>
+        <p:spPr/>
+      </p:sp>
+      <p:sp>
+        <p:nvSpPr>
+          <p:cNvPr id="3" name="Notes Placeholder 2"/>
+          <p:cNvSpPr>
+            <a:spLocks noGrp="1"/>
+          </p:cNvSpPr>
+          <p:nvPr>
+            <p:ph type="body" idx="1"/>
+          </p:nvPr>
+        </p:nvSpPr>
+        <p:spPr/>
+        <p:txBody>
+          <a:bodyPr/>
+          <a:lstStyle/>
+          <a:p>
+            <a:r>
+              <a:rPr lang="en-US" dirty="0"/>
+              <a:t>In other words, prefetching data too early in time will again </a:t>
+            </a:r>
+            <a:r>
+              <a:rPr lang="en-US" dirty="0" err="1"/>
+              <a:t>suboptimally</a:t>
+            </a:r>
+            <a:r>
+              <a:rPr lang="en-US" dirty="0"/>
+              <a:t> utilize GPU memory as the prefetched data will once again camp inside the GPU memory without immediate usage.</a:t>
+            </a:r>
+          </a:p>
+          <a:p>
+            <a:r>
+              <a:rPr lang="en-US" dirty="0"/>
+              <a:t>Consequently, any prefetch operation launched during layer(n) ’s backward computation is guaranteed to be ready before layer(n−1)’s computation</a:t>
+            </a:r>
+          </a:p>
+          <a:p>
+            <a:endParaRPr lang="en-US" dirty="0"/>
+          </a:p>
+          <a:p>
+            <a:endParaRPr lang="en-US" dirty="0"/>
+          </a:p>
+        </p:txBody>
+      </p:sp>
+      <p:sp>
+        <p:nvSpPr>
+          <p:cNvPr id="4" name="Slide Number Placeholder 3"/>
+          <p:cNvSpPr>
+            <a:spLocks noGrp="1"/>
+          </p:cNvSpPr>
+          <p:nvPr>
+            <p:ph type="sldNum" sz="quarter" idx="5"/>
+          </p:nvPr>
+        </p:nvSpPr>
+        <p:spPr/>
+        <p:txBody>
+          <a:bodyPr/>
+          <a:lstStyle/>
+          <a:p>
+            <a:fld id="{D904D311-73F7-5D42-B843-E8305C73070F}" type="slidenum">
+              <a:rPr lang="en-US" smtClean="0"/>
+              <a:t>61</a:t>
+            </a:fld>
+            <a:endParaRPr lang="en-US"/>
+          </a:p>
+        </p:txBody>
+      </p:sp>
+    </p:spTree>
+    <p:extLst>
+      <p:ext uri="{BB962C8B-B14F-4D97-AF65-F5344CB8AC3E}">
+        <p14:creationId xmlns:p14="http://schemas.microsoft.com/office/powerpoint/2010/main" val="3844929703"/>
+      </p:ext>
+    </p:extLst>
+  </p:cSld>
+  <p:clrMapOvr>
+    <a:masterClrMapping/>
+  </p:clrMapOvr>
+</p:notes>
+</file>
+
+<file path=ppt/notesSlides/notesSlide25.xml><?xml version="1.0" encoding="utf-8"?>
+<p:notes xmlns:a="http://schemas.openxmlformats.org/drawingml/2006/main" xmlns:r="http://schemas.openxmlformats.org/officeDocument/2006/relationships" xmlns:p="http://schemas.openxmlformats.org/presentationml/2006/main">
+  <p:cSld>
+    <p:spTree>
+      <p:nvGrpSpPr>
+        <p:cNvPr id="1" name=""/>
+        <p:cNvGrpSpPr/>
+        <p:nvPr/>
+      </p:nvGrpSpPr>
+      <p:grpSpPr>
+        <a:xfrm>
+          <a:off x="0" y="0"/>
+          <a:ext cx="0" cy="0"/>
+          <a:chOff x="0" y="0"/>
+          <a:chExt cx="0" cy="0"/>
+        </a:xfrm>
+      </p:grpSpPr>
+      <p:sp>
+        <p:nvSpPr>
+          <p:cNvPr id="2" name="Slide Image Placeholder 1"/>
+          <p:cNvSpPr>
+            <a:spLocks noGrp="1" noRot="1" noChangeAspect="1"/>
+          </p:cNvSpPr>
+          <p:nvPr>
+            <p:ph type="sldImg"/>
+          </p:nvPr>
+        </p:nvSpPr>
+        <p:spPr/>
+      </p:sp>
+      <p:sp>
+        <p:nvSpPr>
+          <p:cNvPr id="3" name="Notes Placeholder 2"/>
+          <p:cNvSpPr>
+            <a:spLocks noGrp="1"/>
+          </p:cNvSpPr>
+          <p:nvPr>
+            <p:ph type="body" idx="1"/>
+          </p:nvPr>
+        </p:nvSpPr>
+        <p:spPr/>
+        <p:txBody>
+          <a:bodyPr/>
+          <a:lstStyle/>
+          <a:p>
+            <a:r>
+              <a:rPr lang="en-US" dirty="0"/>
+              <a:t>The baseline is the normal process of training. From forward propagation 1 to n, then backward propagation n to1.</a:t>
+            </a:r>
+          </a:p>
+          <a:p>
+            <a:endParaRPr lang="en-US" dirty="0"/>
+          </a:p>
+          <a:p>
+            <a:r>
+              <a:rPr lang="en-US" dirty="0"/>
+              <a:t>In the </a:t>
+            </a:r>
+            <a:r>
+              <a:rPr lang="en-US" dirty="0" err="1"/>
+              <a:t>vDNN</a:t>
+            </a:r>
+            <a:r>
+              <a:rPr lang="en-US" dirty="0"/>
+              <a:t>, it’s all the same, but with memory allocation and transfer. </a:t>
+            </a:r>
+          </a:p>
+          <a:p>
+            <a:r>
+              <a:rPr lang="en-US" dirty="0"/>
+              <a:t>If offload or prefetch process is longer than the actual propagation, then it has to wait.</a:t>
+            </a:r>
+          </a:p>
+        </p:txBody>
+      </p:sp>
+      <p:sp>
+        <p:nvSpPr>
+          <p:cNvPr id="4" name="Slide Number Placeholder 3"/>
+          <p:cNvSpPr>
+            <a:spLocks noGrp="1"/>
+          </p:cNvSpPr>
+          <p:nvPr>
+            <p:ph type="sldNum" sz="quarter" idx="5"/>
+          </p:nvPr>
+        </p:nvSpPr>
+        <p:spPr/>
+        <p:txBody>
+          <a:bodyPr/>
+          <a:lstStyle/>
+          <a:p>
+            <a:fld id="{D904D311-73F7-5D42-B843-E8305C73070F}" type="slidenum">
+              <a:rPr lang="en-US" smtClean="0"/>
+              <a:t>62</a:t>
+            </a:fld>
+            <a:endParaRPr lang="en-US"/>
+          </a:p>
+        </p:txBody>
+      </p:sp>
+    </p:spTree>
+    <p:extLst>
+      <p:ext uri="{BB962C8B-B14F-4D97-AF65-F5344CB8AC3E}">
+        <p14:creationId xmlns:p14="http://schemas.microsoft.com/office/powerpoint/2010/main" val="3400057104"/>
+      </p:ext>
+    </p:extLst>
+  </p:cSld>
+  <p:clrMapOvr>
+    <a:masterClrMapping/>
+  </p:clrMapOvr>
+</p:notes>
+</file>
+
+<file path=ppt/notesSlides/notesSlide26.xml><?xml version="1.0" encoding="utf-8"?>
+<p:notes xmlns:a="http://schemas.openxmlformats.org/drawingml/2006/main" xmlns:r="http://schemas.openxmlformats.org/officeDocument/2006/relationships" xmlns:p="http://schemas.openxmlformats.org/presentationml/2006/main">
+  <p:cSld>
+    <p:spTree>
+      <p:nvGrpSpPr>
+        <p:cNvPr id="1" name=""/>
+        <p:cNvGrpSpPr/>
+        <p:nvPr/>
+      </p:nvGrpSpPr>
+      <p:grpSpPr>
+        <a:xfrm>
+          <a:off x="0" y="0"/>
+          <a:ext cx="0" cy="0"/>
+          <a:chOff x="0" y="0"/>
+          <a:chExt cx="0" cy="0"/>
+        </a:xfrm>
+      </p:grpSpPr>
+      <p:sp>
+        <p:nvSpPr>
+          <p:cNvPr id="2" name="Slide Image Placeholder 1"/>
+          <p:cNvSpPr>
+            <a:spLocks noGrp="1" noRot="1" noChangeAspect="1"/>
+          </p:cNvSpPr>
+          <p:nvPr>
+            <p:ph type="sldImg"/>
+          </p:nvPr>
+        </p:nvSpPr>
+        <p:spPr/>
+      </p:sp>
+      <p:sp>
+        <p:nvSpPr>
+          <p:cNvPr id="3" name="Notes Placeholder 2"/>
+          <p:cNvSpPr>
+            <a:spLocks noGrp="1"/>
+          </p:cNvSpPr>
+          <p:nvPr>
+            <p:ph type="body" idx="1"/>
+          </p:nvPr>
+        </p:nvSpPr>
+        <p:spPr/>
+        <p:txBody>
+          <a:bodyPr/>
+          <a:lstStyle/>
+          <a:p>
+            <a:r>
               <a:rPr lang="en-US" dirty="0"/>
               <a:t>. The feature extraction layers are conceptually divided into five groups of CONV layers, separated by the intermediate POOL layers. The only difference among these CONV layer groups is that the number of output feature maps grows from 64 to 512, from the first to the last layer group.</a:t>
             </a:r>
@@ -2491,7 +3142,7 @@
 </p:notes>
 </file>
 
-<file path=ppt/notesSlides/notesSlide21.xml><?xml version="1.0" encoding="utf-8"?>
+<file path=ppt/notesSlides/notesSlide27.xml><?xml version="1.0" encoding="utf-8"?>
 <p:notes xmlns:a="http://schemas.openxmlformats.org/drawingml/2006/main" xmlns:r="http://schemas.openxmlformats.org/officeDocument/2006/relationships" xmlns:p="http://schemas.openxmlformats.org/presentationml/2006/main">
   <p:cSld>
     <p:spTree>
@@ -2638,6 +3289,14 @@
           <a:bodyPr/>
           <a:lstStyle/>
           <a:p>
+            <a:r>
+              <a:rPr lang="en-US" dirty="0" smtClean="0"/>
+              <a:t>So</a:t>
+            </a:r>
+            <a:r>
+              <a:rPr lang="en-US" baseline="0" dirty="0" smtClean="0"/>
+              <a:t> we have to talk about an important feature of reinforcement learning: the reward is so hard to determine. In fact, a special problem requires a special reward design. </a:t>
+            </a:r>
             <a:endParaRPr lang="en-US" dirty="0"/>
           </a:p>
         </p:txBody>
@@ -2659,7 +3318,7 @@
           <a:p>
             <a:fld id="{D904D311-73F7-5D42-B843-E8305C73070F}" type="slidenum">
               <a:rPr lang="en-US" smtClean="0"/>
-              <a:t>18</a:t>
+              <a:t>16</a:t>
             </a:fld>
             <a:endParaRPr lang="en-US"/>
           </a:p>
@@ -2668,7 +3327,7 @@
     </p:spTree>
     <p:extLst>
       <p:ext uri="{BB962C8B-B14F-4D97-AF65-F5344CB8AC3E}">
-        <p14:creationId xmlns:p14="http://schemas.microsoft.com/office/powerpoint/2010/main" val="3230621183"/>
+        <p14:creationId xmlns:p14="http://schemas.microsoft.com/office/powerpoint/2010/main" val="1211335592"/>
       </p:ext>
     </p:extLst>
   </p:cSld>
@@ -2743,7 +3402,7 @@
           <a:p>
             <a:fld id="{D904D311-73F7-5D42-B843-E8305C73070F}" type="slidenum">
               <a:rPr lang="en-US" smtClean="0"/>
-              <a:t>19</a:t>
+              <a:t>17</a:t>
             </a:fld>
             <a:endParaRPr lang="en-US"/>
           </a:p>
@@ -2752,7 +3411,7 @@
     </p:spTree>
     <p:extLst>
       <p:ext uri="{BB962C8B-B14F-4D97-AF65-F5344CB8AC3E}">
-        <p14:creationId xmlns:p14="http://schemas.microsoft.com/office/powerpoint/2010/main" val="4260481937"/>
+        <p14:creationId xmlns:p14="http://schemas.microsoft.com/office/powerpoint/2010/main" val="1401746856"/>
       </p:ext>
     </p:extLst>
   </p:cSld>
@@ -2806,10 +3465,7 @@
           <a:bodyPr/>
           <a:lstStyle/>
           <a:p>
-            <a:r>
-              <a:rPr lang="en-US" dirty="0"/>
-              <a:t>putting all of the operations of a huge LSTM on a single GPU will exceed the device’s memory limit. </a:t>
-            </a:r>
+            <a:endParaRPr lang="en-US" dirty="0"/>
           </a:p>
         </p:txBody>
       </p:sp>
@@ -2830,7 +3486,7 @@
           <a:p>
             <a:fld id="{D904D311-73F7-5D42-B843-E8305C73070F}" type="slidenum">
               <a:rPr lang="en-US" smtClean="0"/>
-              <a:t>22</a:t>
+              <a:t>18</a:t>
             </a:fld>
             <a:endParaRPr lang="en-US"/>
           </a:p>
@@ -2839,7 +3495,7 @@
     </p:spTree>
     <p:extLst>
       <p:ext uri="{BB962C8B-B14F-4D97-AF65-F5344CB8AC3E}">
-        <p14:creationId xmlns:p14="http://schemas.microsoft.com/office/powerpoint/2010/main" val="1687994097"/>
+        <p14:creationId xmlns:p14="http://schemas.microsoft.com/office/powerpoint/2010/main" val="3230621183"/>
       </p:ext>
     </p:extLst>
   </p:cSld>
@@ -2893,23 +3549,6 @@
           <a:bodyPr/>
           <a:lstStyle/>
           <a:p>
-            <a:r>
-              <a:rPr lang="en-US" dirty="0"/>
-              <a:t>The grid structure of this model introduces tremendous potential for parallel executions because each LSTM cell can start as soon as its input and previous states are available</a:t>
-            </a:r>
-          </a:p>
-          <a:p>
-            <a:endParaRPr lang="en-US" dirty="0"/>
-          </a:p>
-          <a:p>
-            <a:r>
-              <a:rPr lang="en-US" dirty="0"/>
-              <a:t>its large number of hidden states due to the source and target sentences necessitates </a:t>
-            </a:r>
-            <a:r>
-              <a:rPr lang="en-US" dirty="0" err="1"/>
-              <a:t>modeparallelism</a:t>
-            </a:r>
             <a:endParaRPr lang="en-US" dirty="0"/>
           </a:p>
         </p:txBody>
@@ -2921,7 +3560,7 @@
             <a:spLocks noGrp="1"/>
           </p:cNvSpPr>
           <p:nvPr>
-            <p:ph type="sldNum" sz="quarter" idx="5"/>
+            <p:ph type="sldNum" sz="quarter" idx="10"/>
           </p:nvPr>
         </p:nvSpPr>
         <p:spPr/>
@@ -2931,7 +3570,7 @@
           <a:p>
             <a:fld id="{D904D311-73F7-5D42-B843-E8305C73070F}" type="slidenum">
               <a:rPr lang="en-US" smtClean="0"/>
-              <a:t>30</a:t>
+              <a:t>19</a:t>
             </a:fld>
             <a:endParaRPr lang="en-US"/>
           </a:p>
@@ -2940,7 +3579,7 @@
     </p:spTree>
     <p:extLst>
       <p:ext uri="{BB962C8B-B14F-4D97-AF65-F5344CB8AC3E}">
-        <p14:creationId xmlns:p14="http://schemas.microsoft.com/office/powerpoint/2010/main" val="456832567"/>
+        <p14:creationId xmlns:p14="http://schemas.microsoft.com/office/powerpoint/2010/main" val="4260481937"/>
       </p:ext>
     </p:extLst>
   </p:cSld>
@@ -2995,9 +3634,32 @@
           <a:lstStyle/>
           <a:p>
             <a:r>
-              <a:rPr lang="en-US" dirty="0"/>
-              <a:t>Interestingly, if we do not take into account the time for back-propagation, then expert-designed placement makes sense because the workload is more balanced (whilst still less balanced than ours).</a:t>
-            </a:r>
+              <a:rPr lang="en-US" dirty="0" smtClean="0"/>
+              <a:t>putting </a:t>
+            </a:r>
+            <a:r>
+              <a:rPr lang="en-US" dirty="0"/>
+              <a:t>all of the operations of a huge LSTM on a single GPU will exceed the device’s memory limit. </a:t>
+            </a:r>
+            <a:r>
+              <a:rPr lang="en-US" dirty="0" smtClean="0"/>
+              <a:t> We will</a:t>
+            </a:r>
+            <a:r>
+              <a:rPr lang="en-US" baseline="0" dirty="0" smtClean="0"/>
+              <a:t> talk about this memory limit in the next paper.</a:t>
+            </a:r>
+          </a:p>
+          <a:p>
+            <a:r>
+              <a:rPr lang="en-US" dirty="0" smtClean="0"/>
+              <a:t>Again we see a lot of manual setting</a:t>
+            </a:r>
+            <a:r>
+              <a:rPr lang="en-US" baseline="0" dirty="0" smtClean="0"/>
+              <a:t> and some of them are pretty questionable.</a:t>
+            </a:r>
+            <a:endParaRPr lang="en-US" dirty="0"/>
           </a:p>
         </p:txBody>
       </p:sp>
@@ -3008,7 +3670,7 @@
             <a:spLocks noGrp="1"/>
           </p:cNvSpPr>
           <p:nvPr>
-            <p:ph type="sldNum" sz="quarter" idx="5"/>
+            <p:ph type="sldNum" sz="quarter" idx="10"/>
           </p:nvPr>
         </p:nvSpPr>
         <p:spPr/>
@@ -3018,7 +3680,7 @@
           <a:p>
             <a:fld id="{D904D311-73F7-5D42-B843-E8305C73070F}" type="slidenum">
               <a:rPr lang="en-US" smtClean="0"/>
-              <a:t>38</a:t>
+              <a:t>22</a:t>
             </a:fld>
             <a:endParaRPr lang="en-US"/>
           </a:p>
@@ -3027,7 +3689,7 @@
     </p:spTree>
     <p:extLst>
       <p:ext uri="{BB962C8B-B14F-4D97-AF65-F5344CB8AC3E}">
-        <p14:creationId xmlns:p14="http://schemas.microsoft.com/office/powerpoint/2010/main" val="992122168"/>
+        <p14:creationId xmlns:p14="http://schemas.microsoft.com/office/powerpoint/2010/main" val="1687994097"/>
       </p:ext>
     </p:extLst>
   </p:cSld>
@@ -3081,6 +3743,98 @@
           <a:bodyPr/>
           <a:lstStyle/>
           <a:p>
+            <a:r>
+              <a:rPr lang="en-US" sz="1200" b="0" i="1" kern="1200" dirty="0" smtClean="0">
+                <a:solidFill>
+                  <a:schemeClr val="tx1"/>
+                </a:solidFill>
+                <a:effectLst/>
+                <a:latin typeface="+mn-lt"/>
+                <a:ea typeface="+mn-ea"/>
+                <a:cs typeface="+mn-cs"/>
+              </a:rPr>
+              <a:t>A potential issue with this encoder–decoder approach is that a neural network needs to be able to compress all the necessary information of a source sentence into a fixed-length vector. This may make it difficult for the neural network to cope with long sentences, especially those that are longer than the sentences in the training corpus.</a:t>
+            </a:r>
+          </a:p>
+          <a:p>
+            <a:endParaRPr lang="en-US" sz="1200" b="0" i="1" kern="1200" dirty="0" smtClean="0">
+              <a:solidFill>
+                <a:schemeClr val="tx1"/>
+              </a:solidFill>
+              <a:effectLst/>
+              <a:latin typeface="+mn-lt"/>
+              <a:ea typeface="+mn-ea"/>
+              <a:cs typeface="+mn-cs"/>
+            </a:endParaRPr>
+          </a:p>
+          <a:p>
+            <a:r>
+              <a:rPr lang="en-US" sz="1200" b="0" i="0" kern="1200" dirty="0" smtClean="0">
+                <a:solidFill>
+                  <a:schemeClr val="tx1"/>
+                </a:solidFill>
+                <a:effectLst/>
+                <a:latin typeface="+mn-lt"/>
+                <a:ea typeface="+mn-ea"/>
+                <a:cs typeface="+mn-cs"/>
+              </a:rPr>
+              <a:t>Attention is the idea of freeing the encoder-decoder architecture from the fixed-length internal representation.</a:t>
+            </a:r>
+          </a:p>
+          <a:p>
+            <a:endParaRPr lang="en-US" sz="1200" b="0" i="0" kern="1200" dirty="0" smtClean="0">
+              <a:solidFill>
+                <a:schemeClr val="tx1"/>
+              </a:solidFill>
+              <a:effectLst/>
+              <a:latin typeface="+mn-lt"/>
+              <a:ea typeface="+mn-ea"/>
+              <a:cs typeface="+mn-cs"/>
+            </a:endParaRPr>
+          </a:p>
+          <a:p>
+            <a:pPr fontAlgn="base"/>
+            <a:r>
+              <a:rPr lang="en-US" sz="1200" b="0" kern="1200" dirty="0" smtClean="0">
+                <a:solidFill>
+                  <a:schemeClr val="tx1"/>
+                </a:solidFill>
+                <a:effectLst/>
+                <a:latin typeface="+mn-lt"/>
+                <a:ea typeface="+mn-ea"/>
+                <a:cs typeface="+mn-cs"/>
+              </a:rPr>
+              <a:t>This is achieved by keeping the intermediate outputs from the encoder LSTM from each step of the input sequence and training the model to learn to pay selective attention to these inputs and relate them to items in the output sequence.</a:t>
+            </a:r>
+          </a:p>
+          <a:p>
+            <a:pPr fontAlgn="base"/>
+            <a:endParaRPr lang="en-US" sz="1200" b="0" kern="1200" dirty="0" smtClean="0">
+              <a:solidFill>
+                <a:schemeClr val="tx1"/>
+              </a:solidFill>
+              <a:effectLst/>
+              <a:latin typeface="+mn-lt"/>
+              <a:ea typeface="+mn-ea"/>
+              <a:cs typeface="+mn-cs"/>
+            </a:endParaRPr>
+          </a:p>
+          <a:p>
+            <a:pPr fontAlgn="base"/>
+            <a:r>
+              <a:rPr lang="en-US" sz="1200" b="0" kern="1200" dirty="0" smtClean="0">
+                <a:solidFill>
+                  <a:schemeClr val="tx1"/>
+                </a:solidFill>
+                <a:effectLst/>
+                <a:latin typeface="+mn-lt"/>
+                <a:ea typeface="+mn-ea"/>
+                <a:cs typeface="+mn-cs"/>
+              </a:rPr>
+              <a:t>Put another way, each item in the output sequence is conditional on selective items in the input sequence.</a:t>
+            </a:r>
+          </a:p>
+          <a:p>
             <a:endParaRPr lang="en-US" dirty="0"/>
           </a:p>
         </p:txBody>
@@ -3102,7 +3856,7 @@
           <a:p>
             <a:fld id="{D904D311-73F7-5D42-B843-E8305C73070F}" type="slidenum">
               <a:rPr lang="en-US" smtClean="0"/>
-              <a:t>42</a:t>
+              <a:t>26</a:t>
             </a:fld>
             <a:endParaRPr lang="en-US"/>
           </a:p>
@@ -3111,7 +3865,7 @@
     </p:spTree>
     <p:extLst>
       <p:ext uri="{BB962C8B-B14F-4D97-AF65-F5344CB8AC3E}">
-        <p14:creationId xmlns:p14="http://schemas.microsoft.com/office/powerpoint/2010/main" val="2773256589"/>
+        <p14:creationId xmlns:p14="http://schemas.microsoft.com/office/powerpoint/2010/main" val="174115141"/>
       </p:ext>
     </p:extLst>
   </p:cSld>
@@ -3165,6 +3919,10 @@
           <a:bodyPr/>
           <a:lstStyle/>
           <a:p>
+            <a:r>
+              <a:rPr lang="en-US" dirty="0" smtClean="0"/>
+              <a:t>Another manually</a:t>
+            </a:r>
             <a:endParaRPr lang="en-US" dirty="0"/>
           </a:p>
         </p:txBody>
@@ -3186,7 +3944,7 @@
           <a:p>
             <a:fld id="{D904D311-73F7-5D42-B843-E8305C73070F}" type="slidenum">
               <a:rPr lang="en-US" smtClean="0"/>
-              <a:t>47</a:t>
+              <a:t>27</a:t>
             </a:fld>
             <a:endParaRPr lang="en-US"/>
           </a:p>
@@ -3195,7 +3953,7 @@
     </p:spTree>
     <p:extLst>
       <p:ext uri="{BB962C8B-B14F-4D97-AF65-F5344CB8AC3E}">
-        <p14:creationId xmlns:p14="http://schemas.microsoft.com/office/powerpoint/2010/main" val="16863197"/>
+        <p14:creationId xmlns:p14="http://schemas.microsoft.com/office/powerpoint/2010/main" val="2759809213"/>
       </p:ext>
     </p:extLst>
   </p:cSld>
@@ -5508,7 +6266,7 @@
             <a:fld id="{0F0D8E7B-AF3B-B444-8E74-E549FC814F53}" type="datetimeFigureOut">
               <a:rPr lang="en-US" smtClean="0"/>
               <a:pPr/>
-              <a:t>10/31/2019</a:t>
+              <a:t>11/5/2019</a:t>
             </a:fld>
             <a:endParaRPr lang="en-US" dirty="0"/>
           </a:p>
@@ -6961,7 +7719,7 @@
           <p:nvPr/>
         </p:nvPicPr>
         <p:blipFill>
-          <a:blip r:embed="rId2">
+          <a:blip r:embed="rId3">
             <a:extLst>
               <a:ext uri="{28A0092B-C50C-407E-A947-70E740481C1C}">
                 <a14:useLocalDpi xmlns:a14="http://schemas.microsoft.com/office/drawing/2010/main" val="0"/>
@@ -8350,7 +9108,7 @@
             </p:nvSpPr>
             <p:spPr>
               <a:blipFill>
-                <a:blip r:embed="rId2"/>
+                <a:blip r:embed="rId3"/>
                 <a:stretch>
                   <a:fillRect l="-1109"/>
                 </a:stretch>
@@ -9925,8 +10683,8 @@
         </p:blipFill>
         <p:spPr bwMode="auto">
           <a:xfrm>
-            <a:off x="7246959" y="0"/>
-            <a:ext cx="1897041" cy="2262784"/>
+            <a:off x="0" y="280462"/>
+            <a:ext cx="3925001" cy="4681728"/>
           </a:xfrm>
           <a:prstGeom prst="rect">
             <a:avLst/>
@@ -12137,11 +12895,7 @@
             </a:r>
             <a:r>
               <a:rPr lang="en-US" dirty="0"/>
-              <a:t>Each </a:t>
-            </a:r>
-            <a:r>
-              <a:rPr lang="en-US" dirty="0"/>
-              <a:t>step outputs the device for the operation at the same encoder time step</a:t>
+              <a:t>Each step outputs the device for the operation at the same encoder time step</a:t>
             </a:r>
           </a:p>
           <a:p>
@@ -12275,22 +13029,42 @@
           </a:p>
           <a:p>
             <a:r>
-              <a:rPr lang="en-US" dirty="0"/>
+              <a:rPr lang="en-US" sz="2000" dirty="0">
+                <a:solidFill>
+                  <a:schemeClr val="accent5"/>
+                </a:solidFill>
+              </a:rPr>
               <a:t>With </a:t>
             </a:r>
             <a:r>
-              <a:rPr lang="en-US" dirty="0" err="1"/>
+              <a:rPr lang="en-US" sz="2000" dirty="0" err="1">
+                <a:solidFill>
+                  <a:schemeClr val="accent5"/>
+                </a:solidFill>
+              </a:rPr>
               <a:t>collocate_with</a:t>
             </a:r>
             <a:r>
-              <a:rPr lang="en-US" dirty="0"/>
+              <a:rPr lang="en-US" sz="2000" dirty="0">
+                <a:solidFill>
+                  <a:schemeClr val="accent5"/>
+                </a:solidFill>
+              </a:rPr>
               <a:t> feature of </a:t>
             </a:r>
             <a:r>
-              <a:rPr lang="en-US" dirty="0" err="1"/>
+              <a:rPr lang="en-US" sz="2000" dirty="0" err="1">
+                <a:solidFill>
+                  <a:schemeClr val="accent5"/>
+                </a:solidFill>
+              </a:rPr>
               <a:t>TensorFlow</a:t>
             </a:r>
-            <a:endParaRPr lang="en-US" dirty="0"/>
+            <a:endParaRPr lang="en-US" sz="2000" dirty="0">
+              <a:solidFill>
+                <a:schemeClr val="accent5"/>
+              </a:solidFill>
+            </a:endParaRPr>
           </a:p>
         </p:txBody>
       </p:sp>
@@ -13211,7 +13985,7 @@
           </p:nvPr>
         </p:nvPicPr>
         <p:blipFill>
-          <a:blip r:embed="rId2"/>
+          <a:blip r:embed="rId3"/>
           <a:stretch>
             <a:fillRect/>
           </a:stretch>
@@ -13266,7 +14040,7 @@
           <p:nvPr/>
         </p:nvPicPr>
         <p:blipFill>
-          <a:blip r:embed="rId3"/>
+          <a:blip r:embed="rId4"/>
           <a:stretch>
             <a:fillRect/>
           </a:stretch>
@@ -16981,11 +17755,6 @@
               </a:rPr>
               <a:t>page table update.</a:t>
             </a:r>
-            <a:endParaRPr lang="en-US" dirty="0">
-              <a:solidFill>
-                <a:schemeClr val="accent6"/>
-              </a:solidFill>
-            </a:endParaRPr>
           </a:p>
         </p:txBody>
       </p:sp>
@@ -20206,8 +20975,8 @@
           <a:chExt cx="0" cy="0"/>
         </a:xfrm>
       </p:grpSpPr>
-      <mc:AlternateContent xmlns:mc="http://schemas.openxmlformats.org/markup-compatibility/2006">
-        <mc:Choice xmlns:a14="http://schemas.microsoft.com/office/drawing/2010/main" Requires="a14">
+      <mc:AlternateContent xmlns:mc="http://schemas.openxmlformats.org/markup-compatibility/2006" xmlns:a14="http://schemas.microsoft.com/office/drawing/2010/main">
+        <mc:Choice Requires="a14">
           <p:sp>
             <p:nvSpPr>
               <p:cNvPr id="2" name="Content Placeholder 1">
@@ -20420,7 +21189,7 @@
             </p:txBody>
           </p:sp>
         </mc:Choice>
-        <mc:Fallback>
+        <mc:Fallback xmlns="">
           <p:sp>
             <p:nvSpPr>
               <p:cNvPr id="2" name="Content Placeholder 1">

--- a/presentation/presentation_8.c-8.d_luyuliu.pptx
+++ b/presentation/presentation_8.c-8.d_luyuliu.pptx
@@ -3100,9 +3100,91 @@
           <a:lstStyle/>
           <a:p>
             <a:r>
-              <a:rPr lang="en-US" dirty="0"/>
-              <a:t>. The feature extraction layers are conceptually divided into five groups of CONV layers, separated by the intermediate POOL layers. The only difference among these CONV layer groups is that the number of output feature maps grows from 64 to 512, from the first to the last layer group.</a:t>
-            </a:r>
+              <a:rPr lang="en-US" sz="1200" b="0" i="0" kern="1200" dirty="0" smtClean="0">
+                <a:solidFill>
+                  <a:schemeClr val="tx1"/>
+                </a:solidFill>
+                <a:effectLst/>
+                <a:latin typeface="+mn-lt"/>
+                <a:ea typeface="+mn-ea"/>
+                <a:cs typeface="+mn-cs"/>
+              </a:rPr>
+              <a:t>GEMMs (General Matrix Multiplications)</a:t>
+            </a:r>
+          </a:p>
+          <a:p>
+            <a:endParaRPr lang="en-US" sz="1200" b="0" i="0" kern="1200" dirty="0" smtClean="0">
+              <a:solidFill>
+                <a:schemeClr val="tx1"/>
+              </a:solidFill>
+              <a:effectLst/>
+              <a:latin typeface="+mn-lt"/>
+              <a:ea typeface="+mn-ea"/>
+              <a:cs typeface="+mn-cs"/>
+            </a:endParaRPr>
+          </a:p>
+          <a:p>
+            <a:r>
+              <a:rPr lang="en-US" sz="1200" b="0" i="0" kern="1200" dirty="0" smtClean="0">
+                <a:solidFill>
+                  <a:schemeClr val="tx1"/>
+                </a:solidFill>
+                <a:effectLst/>
+                <a:latin typeface="+mn-lt"/>
+                <a:ea typeface="+mn-ea"/>
+                <a:cs typeface="+mn-cs"/>
+              </a:rPr>
+              <a:t>The implicit GEMM approach is a variant of direct convolution, and operates directly on the input weight and activation tensors. Alternatively, convolutions can be computed by transforming data and weights into another space, performing simpler operations (for example, pointwise multiplies), and then transforming back. The </a:t>
+            </a:r>
+            <a:r>
+              <a:rPr lang="en-US" sz="1200" b="0" i="0" kern="1200" dirty="0" err="1" smtClean="0">
+                <a:solidFill>
+                  <a:schemeClr val="tx1"/>
+                </a:solidFill>
+                <a:effectLst/>
+                <a:latin typeface="+mn-lt"/>
+                <a:ea typeface="+mn-ea"/>
+                <a:cs typeface="+mn-cs"/>
+              </a:rPr>
+              <a:t>cuDNN</a:t>
+            </a:r>
+            <a:r>
+              <a:rPr lang="en-US" sz="1200" b="0" i="0" kern="1200" dirty="0" smtClean="0">
+                <a:solidFill>
+                  <a:schemeClr val="tx1"/>
+                </a:solidFill>
+                <a:effectLst/>
+                <a:latin typeface="+mn-lt"/>
+                <a:ea typeface="+mn-ea"/>
+                <a:cs typeface="+mn-cs"/>
+              </a:rPr>
+              <a:t> library provides some convolution implementations using FFT and </a:t>
+            </a:r>
+            <a:r>
+              <a:rPr lang="en-US" sz="1200" b="0" i="0" kern="1200" dirty="0" err="1" smtClean="0">
+                <a:solidFill>
+                  <a:schemeClr val="tx1"/>
+                </a:solidFill>
+                <a:effectLst/>
+                <a:latin typeface="+mn-lt"/>
+                <a:ea typeface="+mn-ea"/>
+                <a:cs typeface="+mn-cs"/>
+              </a:rPr>
+              <a:t>Winograd</a:t>
+            </a:r>
+            <a:r>
+              <a:rPr lang="en-US" sz="1200" b="0" i="0" kern="1200" dirty="0" smtClean="0">
+                <a:solidFill>
+                  <a:schemeClr val="tx1"/>
+                </a:solidFill>
+                <a:effectLst/>
+                <a:latin typeface="+mn-lt"/>
+                <a:ea typeface="+mn-ea"/>
+                <a:cs typeface="+mn-cs"/>
+              </a:rPr>
+              <a:t> transforms.</a:t>
+            </a:r>
+            <a:endParaRPr lang="en-US" dirty="0"/>
           </a:p>
         </p:txBody>
       </p:sp>
@@ -3113,7 +3195,7 @@
             <a:spLocks noGrp="1"/>
           </p:cNvSpPr>
           <p:nvPr>
-            <p:ph type="sldNum" sz="quarter" idx="5"/>
+            <p:ph type="sldNum" sz="quarter" idx="10"/>
           </p:nvPr>
         </p:nvSpPr>
         <p:spPr/>
@@ -3123,7 +3205,7 @@
           <a:p>
             <a:fld id="{D904D311-73F7-5D42-B843-E8305C73070F}" type="slidenum">
               <a:rPr lang="en-US" smtClean="0"/>
-              <a:t>68</a:t>
+              <a:t>64</a:t>
             </a:fld>
             <a:endParaRPr lang="en-US"/>
           </a:p>
@@ -3132,7 +3214,7 @@
     </p:spTree>
     <p:extLst>
       <p:ext uri="{BB962C8B-B14F-4D97-AF65-F5344CB8AC3E}">
-        <p14:creationId xmlns:p14="http://schemas.microsoft.com/office/powerpoint/2010/main" val="408226949"/>
+        <p14:creationId xmlns:p14="http://schemas.microsoft.com/office/powerpoint/2010/main" val="3660061794"/>
       </p:ext>
     </p:extLst>
   </p:cSld>
@@ -3187,25 +3269,20 @@
           <a:lstStyle/>
           <a:p>
             <a:r>
-              <a:rPr lang="en-US" dirty="0"/>
-              <a:t>Overall, </a:t>
-            </a:r>
-            <a:r>
-              <a:rPr lang="en-US" dirty="0" err="1"/>
-              <a:t>vDNNall</a:t>
-            </a:r>
-            <a:r>
-              <a:rPr lang="en-US" dirty="0"/>
-              <a:t> and </a:t>
-            </a:r>
-            <a:r>
-              <a:rPr lang="en-US" dirty="0" err="1"/>
-              <a:t>vDNNconv</a:t>
-            </a:r>
-            <a:r>
-              <a:rPr lang="en-US" dirty="0"/>
-              <a:t> with memory-optimal algorithms exhibit an average 58% and 55% performance loss (maximum 65% and 63% degradation) compared to baseline</a:t>
-            </a:r>
+              <a:rPr lang="en-US" dirty="0" smtClean="0"/>
+              <a:t>All layers to save</a:t>
+            </a:r>
+            <a:r>
+              <a:rPr lang="en-US" baseline="0" dirty="0" smtClean="0"/>
+              <a:t> GPU memory</a:t>
+            </a:r>
+          </a:p>
+          <a:p>
+            <a:r>
+              <a:rPr lang="en-US" baseline="0" dirty="0" smtClean="0"/>
+              <a:t>Only convolutional layers: which is the major memory killer</a:t>
+            </a:r>
+            <a:endParaRPr lang="en-US" dirty="0"/>
           </a:p>
         </p:txBody>
       </p:sp>
@@ -3216,7 +3293,7 @@
             <a:spLocks noGrp="1"/>
           </p:cNvSpPr>
           <p:nvPr>
-            <p:ph type="sldNum" sz="quarter" idx="5"/>
+            <p:ph type="sldNum" sz="quarter" idx="10"/>
           </p:nvPr>
         </p:nvSpPr>
         <p:spPr/>
@@ -3226,7 +3303,7 @@
           <a:p>
             <a:fld id="{D904D311-73F7-5D42-B843-E8305C73070F}" type="slidenum">
               <a:rPr lang="en-US" smtClean="0"/>
-              <a:t>74</a:t>
+              <a:t>65</a:t>
             </a:fld>
             <a:endParaRPr lang="en-US"/>
           </a:p>
@@ -3235,7 +3312,186 @@
     </p:spTree>
     <p:extLst>
       <p:ext uri="{BB962C8B-B14F-4D97-AF65-F5344CB8AC3E}">
-        <p14:creationId xmlns:p14="http://schemas.microsoft.com/office/powerpoint/2010/main" val="2978333041"/>
+        <p14:creationId xmlns:p14="http://schemas.microsoft.com/office/powerpoint/2010/main" val="2824202933"/>
+      </p:ext>
+    </p:extLst>
+  </p:cSld>
+  <p:clrMapOvr>
+    <a:masterClrMapping/>
+  </p:clrMapOvr>
+</p:notes>
+</file>
+
+<file path=ppt/notesSlides/notesSlide28.xml><?xml version="1.0" encoding="utf-8"?>
+<p:notes xmlns:a="http://schemas.openxmlformats.org/drawingml/2006/main" xmlns:r="http://schemas.openxmlformats.org/officeDocument/2006/relationships" xmlns:p="http://schemas.openxmlformats.org/presentationml/2006/main">
+  <p:cSld>
+    <p:spTree>
+      <p:nvGrpSpPr>
+        <p:cNvPr id="1" name=""/>
+        <p:cNvGrpSpPr/>
+        <p:nvPr/>
+      </p:nvGrpSpPr>
+      <p:grpSpPr>
+        <a:xfrm>
+          <a:off x="0" y="0"/>
+          <a:ext cx="0" cy="0"/>
+          <a:chOff x="0" y="0"/>
+          <a:chExt cx="0" cy="0"/>
+        </a:xfrm>
+      </p:grpSpPr>
+      <p:sp>
+        <p:nvSpPr>
+          <p:cNvPr id="2" name="Slide Image Placeholder 1"/>
+          <p:cNvSpPr>
+            <a:spLocks noGrp="1" noRot="1" noChangeAspect="1"/>
+          </p:cNvSpPr>
+          <p:nvPr>
+            <p:ph type="sldImg"/>
+          </p:nvPr>
+        </p:nvSpPr>
+        <p:spPr/>
+      </p:sp>
+      <p:sp>
+        <p:nvSpPr>
+          <p:cNvPr id="3" name="Notes Placeholder 2"/>
+          <p:cNvSpPr>
+            <a:spLocks noGrp="1"/>
+          </p:cNvSpPr>
+          <p:nvPr>
+            <p:ph type="body" idx="1"/>
+          </p:nvPr>
+        </p:nvSpPr>
+        <p:spPr/>
+        <p:txBody>
+          <a:bodyPr/>
+          <a:lstStyle/>
+          <a:p>
+            <a:r>
+              <a:rPr lang="en-US" dirty="0" smtClean="0"/>
+              <a:t>P</a:t>
+            </a:r>
+            <a:r>
+              <a:rPr lang="en-US" altLang="zh-CN" dirty="0" smtClean="0"/>
+              <a:t>erformance is better</a:t>
+            </a:r>
+            <a:endParaRPr lang="en-US" dirty="0"/>
+          </a:p>
+        </p:txBody>
+      </p:sp>
+      <p:sp>
+        <p:nvSpPr>
+          <p:cNvPr id="4" name="Slide Number Placeholder 3"/>
+          <p:cNvSpPr>
+            <a:spLocks noGrp="1"/>
+          </p:cNvSpPr>
+          <p:nvPr>
+            <p:ph type="sldNum" sz="quarter" idx="10"/>
+          </p:nvPr>
+        </p:nvSpPr>
+        <p:spPr/>
+        <p:txBody>
+          <a:bodyPr/>
+          <a:lstStyle/>
+          <a:p>
+            <a:fld id="{D904D311-73F7-5D42-B843-E8305C73070F}" type="slidenum">
+              <a:rPr lang="en-US" smtClean="0"/>
+              <a:t>66</a:t>
+            </a:fld>
+            <a:endParaRPr lang="en-US"/>
+          </a:p>
+        </p:txBody>
+      </p:sp>
+    </p:spTree>
+    <p:extLst>
+      <p:ext uri="{BB962C8B-B14F-4D97-AF65-F5344CB8AC3E}">
+        <p14:creationId xmlns:p14="http://schemas.microsoft.com/office/powerpoint/2010/main" val="745721830"/>
+      </p:ext>
+    </p:extLst>
+  </p:cSld>
+  <p:clrMapOvr>
+    <a:masterClrMapping/>
+  </p:clrMapOvr>
+</p:notes>
+</file>
+
+<file path=ppt/notesSlides/notesSlide29.xml><?xml version="1.0" encoding="utf-8"?>
+<p:notes xmlns:a="http://schemas.openxmlformats.org/drawingml/2006/main" xmlns:r="http://schemas.openxmlformats.org/officeDocument/2006/relationships" xmlns:p="http://schemas.openxmlformats.org/presentationml/2006/main">
+  <p:cSld>
+    <p:spTree>
+      <p:nvGrpSpPr>
+        <p:cNvPr id="1" name=""/>
+        <p:cNvGrpSpPr/>
+        <p:nvPr/>
+      </p:nvGrpSpPr>
+      <p:grpSpPr>
+        <a:xfrm>
+          <a:off x="0" y="0"/>
+          <a:ext cx="0" cy="0"/>
+          <a:chOff x="0" y="0"/>
+          <a:chExt cx="0" cy="0"/>
+        </a:xfrm>
+      </p:grpSpPr>
+      <p:sp>
+        <p:nvSpPr>
+          <p:cNvPr id="2" name="Slide Image Placeholder 1"/>
+          <p:cNvSpPr>
+            <a:spLocks noGrp="1" noRot="1" noChangeAspect="1"/>
+          </p:cNvSpPr>
+          <p:nvPr>
+            <p:ph type="sldImg"/>
+          </p:nvPr>
+        </p:nvSpPr>
+        <p:spPr/>
+      </p:sp>
+      <p:sp>
+        <p:nvSpPr>
+          <p:cNvPr id="3" name="Notes Placeholder 2"/>
+          <p:cNvSpPr>
+            <a:spLocks noGrp="1"/>
+          </p:cNvSpPr>
+          <p:nvPr>
+            <p:ph type="body" idx="1"/>
+          </p:nvPr>
+        </p:nvSpPr>
+        <p:spPr/>
+        <p:txBody>
+          <a:bodyPr/>
+          <a:lstStyle/>
+          <a:p>
+            <a:r>
+              <a:rPr lang="en-US" dirty="0"/>
+              <a:t>. The feature extraction layers are conceptually divided into five groups of CONV layers, separated by the intermediate POOL layers. The only difference among these CONV layer groups is that the number of output feature maps grows from 64 to 512, from the first to the last layer group.</a:t>
+            </a:r>
+          </a:p>
+        </p:txBody>
+      </p:sp>
+      <p:sp>
+        <p:nvSpPr>
+          <p:cNvPr id="4" name="Slide Number Placeholder 3"/>
+          <p:cNvSpPr>
+            <a:spLocks noGrp="1"/>
+          </p:cNvSpPr>
+          <p:nvPr>
+            <p:ph type="sldNum" sz="quarter" idx="5"/>
+          </p:nvPr>
+        </p:nvSpPr>
+        <p:spPr/>
+        <p:txBody>
+          <a:bodyPr/>
+          <a:lstStyle/>
+          <a:p>
+            <a:fld id="{D904D311-73F7-5D42-B843-E8305C73070F}" type="slidenum">
+              <a:rPr lang="en-US" smtClean="0"/>
+              <a:t>68</a:t>
+            </a:fld>
+            <a:endParaRPr lang="en-US"/>
+          </a:p>
+        </p:txBody>
+      </p:sp>
+    </p:spTree>
+    <p:extLst>
+      <p:ext uri="{BB962C8B-B14F-4D97-AF65-F5344CB8AC3E}">
+        <p14:creationId xmlns:p14="http://schemas.microsoft.com/office/powerpoint/2010/main" val="408226949"/>
       </p:ext>
     </p:extLst>
   </p:cSld>
@@ -3328,6 +3584,109 @@
     <p:extLst>
       <p:ext uri="{BB962C8B-B14F-4D97-AF65-F5344CB8AC3E}">
         <p14:creationId xmlns:p14="http://schemas.microsoft.com/office/powerpoint/2010/main" val="1211335592"/>
+      </p:ext>
+    </p:extLst>
+  </p:cSld>
+  <p:clrMapOvr>
+    <a:masterClrMapping/>
+  </p:clrMapOvr>
+</p:notes>
+</file>
+
+<file path=ppt/notesSlides/notesSlide30.xml><?xml version="1.0" encoding="utf-8"?>
+<p:notes xmlns:a="http://schemas.openxmlformats.org/drawingml/2006/main" xmlns:r="http://schemas.openxmlformats.org/officeDocument/2006/relationships" xmlns:p="http://schemas.openxmlformats.org/presentationml/2006/main">
+  <p:cSld>
+    <p:spTree>
+      <p:nvGrpSpPr>
+        <p:cNvPr id="1" name=""/>
+        <p:cNvGrpSpPr/>
+        <p:nvPr/>
+      </p:nvGrpSpPr>
+      <p:grpSpPr>
+        <a:xfrm>
+          <a:off x="0" y="0"/>
+          <a:ext cx="0" cy="0"/>
+          <a:chOff x="0" y="0"/>
+          <a:chExt cx="0" cy="0"/>
+        </a:xfrm>
+      </p:grpSpPr>
+      <p:sp>
+        <p:nvSpPr>
+          <p:cNvPr id="2" name="Slide Image Placeholder 1"/>
+          <p:cNvSpPr>
+            <a:spLocks noGrp="1" noRot="1" noChangeAspect="1"/>
+          </p:cNvSpPr>
+          <p:nvPr>
+            <p:ph type="sldImg"/>
+          </p:nvPr>
+        </p:nvSpPr>
+        <p:spPr/>
+      </p:sp>
+      <p:sp>
+        <p:nvSpPr>
+          <p:cNvPr id="3" name="Notes Placeholder 2"/>
+          <p:cNvSpPr>
+            <a:spLocks noGrp="1"/>
+          </p:cNvSpPr>
+          <p:nvPr>
+            <p:ph type="body" idx="1"/>
+          </p:nvPr>
+        </p:nvSpPr>
+        <p:spPr/>
+        <p:txBody>
+          <a:bodyPr/>
+          <a:lstStyle/>
+          <a:p>
+            <a:r>
+              <a:rPr lang="en-US" dirty="0"/>
+              <a:t>Overall, </a:t>
+            </a:r>
+            <a:r>
+              <a:rPr lang="en-US" dirty="0" err="1"/>
+              <a:t>vDNNall</a:t>
+            </a:r>
+            <a:r>
+              <a:rPr lang="en-US" dirty="0"/>
+              <a:t> and </a:t>
+            </a:r>
+            <a:r>
+              <a:rPr lang="en-US" dirty="0" err="1"/>
+              <a:t>vDNNconv</a:t>
+            </a:r>
+            <a:r>
+              <a:rPr lang="en-US" dirty="0"/>
+              <a:t> with memory-optimal algorithms exhibit an average 58% and 55% performance loss (maximum 65% and 63% degradation) compared to baseline</a:t>
+            </a:r>
+          </a:p>
+        </p:txBody>
+      </p:sp>
+      <p:sp>
+        <p:nvSpPr>
+          <p:cNvPr id="4" name="Slide Number Placeholder 3"/>
+          <p:cNvSpPr>
+            <a:spLocks noGrp="1"/>
+          </p:cNvSpPr>
+          <p:nvPr>
+            <p:ph type="sldNum" sz="quarter" idx="5"/>
+          </p:nvPr>
+        </p:nvSpPr>
+        <p:spPr/>
+        <p:txBody>
+          <a:bodyPr/>
+          <a:lstStyle/>
+          <a:p>
+            <a:fld id="{D904D311-73F7-5D42-B843-E8305C73070F}" type="slidenum">
+              <a:rPr lang="en-US" smtClean="0"/>
+              <a:t>74</a:t>
+            </a:fld>
+            <a:endParaRPr lang="en-US"/>
+          </a:p>
+        </p:txBody>
+      </p:sp>
+    </p:spTree>
+    <p:extLst>
+      <p:ext uri="{BB962C8B-B14F-4D97-AF65-F5344CB8AC3E}">
+        <p14:creationId xmlns:p14="http://schemas.microsoft.com/office/powerpoint/2010/main" val="2978333041"/>
       </p:ext>
     </p:extLst>
   </p:cSld>
@@ -20460,6 +20819,13 @@
   <p:clrMapOvr>
     <a:masterClrMapping/>
   </p:clrMapOvr>
+  <p:timing>
+    <p:tnLst>
+      <p:par>
+        <p:cTn id="1" dur="indefinite" restart="never" nodeType="tmRoot"/>
+      </p:par>
+    </p:tnLst>
+  </p:timing>
 </p:sld>
 </file>
 
@@ -20649,6 +21015,13 @@
   <p:clrMapOvr>
     <a:masterClrMapping/>
   </p:clrMapOvr>
+  <p:timing>
+    <p:tnLst>
+      <p:par>
+        <p:cTn id="1" dur="indefinite" restart="never" nodeType="tmRoot"/>
+      </p:par>
+    </p:tnLst>
+  </p:timing>
 </p:sld>
 </file>
 
@@ -20808,6 +21181,13 @@
   <p:clrMapOvr>
     <a:masterClrMapping/>
   </p:clrMapOvr>
+  <p:timing>
+    <p:tnLst>
+      <p:par>
+        <p:cTn id="1" dur="indefinite" restart="never" nodeType="tmRoot"/>
+      </p:par>
+    </p:tnLst>
+  </p:timing>
 </p:sld>
 </file>
 
@@ -21208,7 +21588,7 @@
             </p:nvSpPr>
             <p:spPr>
               <a:blipFill>
-                <a:blip r:embed="rId2"/>
+                <a:blip r:embed="rId3"/>
                 <a:stretch>
                   <a:fillRect l="-1109" t="-1073"/>
                 </a:stretch>
@@ -21657,7 +22037,7 @@
             </p:nvSpPr>
             <p:spPr>
               <a:blipFill>
-                <a:blip r:embed="rId2"/>
+                <a:blip r:embed="rId3"/>
                 <a:stretch>
                   <a:fillRect l="-1109" t="-1073" b="-3578"/>
                 </a:stretch>
